--- a/presentation/Children types. Array as children. Function as children.pptx
+++ b/presentation/Children types. Array as children. Function as children.pptx
@@ -5,6 +5,9 @@
     <p:sldMasterId id="2147483648" r:id="rId4"/>
     <p:sldMasterId id="2147483656" r:id="rId5"/>
   </p:sldMasterIdLst>
+  <p:notesMasterIdLst>
+    <p:notesMasterId r:id="rId38"/>
+  </p:notesMasterIdLst>
   <p:sldIdLst>
     <p:sldId id="257" r:id="rId6"/>
     <p:sldId id="260" r:id="rId7"/>
@@ -44,21 +47,24 @@
   <p:embeddedFontLst>
     <p:embeddedFont>
       <p:font typeface="Proxima Nova Black" charset="0"/>
-      <p:bold r:id="rId38"/>
-    </p:embeddedFont>
-    <p:embeddedFont>
-      <p:font typeface="Open Sans" charset="0"/>
       <p:regular r:id="rId39"/>
       <p:bold r:id="rId40"/>
       <p:italic r:id="rId41"/>
       <p:boldItalic r:id="rId42"/>
     </p:embeddedFont>
     <p:embeddedFont>
-      <p:font typeface="Calibri" pitchFamily="34" charset="0"/>
+      <p:font typeface="Open Sans" charset="0"/>
       <p:regular r:id="rId43"/>
       <p:bold r:id="rId44"/>
       <p:italic r:id="rId45"/>
       <p:boldItalic r:id="rId46"/>
+    </p:embeddedFont>
+    <p:embeddedFont>
+      <p:font typeface="Calibri" pitchFamily="34" charset="0"/>
+      <p:regular r:id="rId47"/>
+      <p:bold r:id="rId48"/>
+      <p:italic r:id="rId49"/>
+      <p:boldItalic r:id="rId50"/>
     </p:embeddedFont>
   </p:embeddedFontLst>
   <p:defaultTextStyle>
@@ -164,6 +170,2849 @@
 </p:presentation>
 </file>
 
+<file path=ppt/notesMasters/notesMaster1.xml><?xml version="1.0" encoding="utf-8"?>
+<p:notesMaster xmlns:a="http://schemas.openxmlformats.org/drawingml/2006/main" xmlns:r="http://schemas.openxmlformats.org/officeDocument/2006/relationships" xmlns:p="http://schemas.openxmlformats.org/presentationml/2006/main">
+  <p:cSld>
+    <p:bg>
+      <p:bgRef idx="1001">
+        <a:schemeClr val="bg1"/>
+      </p:bgRef>
+    </p:bg>
+    <p:spTree>
+      <p:nvGrpSpPr>
+        <p:cNvPr id="1" name=""/>
+        <p:cNvGrpSpPr/>
+        <p:nvPr/>
+      </p:nvGrpSpPr>
+      <p:grpSpPr>
+        <a:xfrm>
+          <a:off x="0" y="0"/>
+          <a:ext cx="0" cy="0"/>
+          <a:chOff x="0" y="0"/>
+          <a:chExt cx="0" cy="0"/>
+        </a:xfrm>
+      </p:grpSpPr>
+      <p:sp>
+        <p:nvSpPr>
+          <p:cNvPr id="2" name="Верхний колонтитул 1"/>
+          <p:cNvSpPr>
+            <a:spLocks noGrp="1"/>
+          </p:cNvSpPr>
+          <p:nvPr>
+            <p:ph type="hdr" sz="quarter"/>
+          </p:nvPr>
+        </p:nvSpPr>
+        <p:spPr>
+          <a:xfrm>
+            <a:off x="0" y="0"/>
+            <a:ext cx="2971800" cy="457200"/>
+          </a:xfrm>
+          <a:prstGeom prst="rect">
+            <a:avLst/>
+          </a:prstGeom>
+        </p:spPr>
+        <p:txBody>
+          <a:bodyPr vert="horz" lIns="91440" tIns="45720" rIns="91440" bIns="45720" rtlCol="0"/>
+          <a:lstStyle>
+            <a:lvl1pPr algn="l">
+              <a:defRPr sz="1200"/>
+            </a:lvl1pPr>
+          </a:lstStyle>
+          <a:p>
+            <a:endParaRPr lang="ru-RU"/>
+          </a:p>
+        </p:txBody>
+      </p:sp>
+      <p:sp>
+        <p:nvSpPr>
+          <p:cNvPr id="3" name="Дата 2"/>
+          <p:cNvSpPr>
+            <a:spLocks noGrp="1"/>
+          </p:cNvSpPr>
+          <p:nvPr>
+            <p:ph type="dt" idx="1"/>
+          </p:nvPr>
+        </p:nvSpPr>
+        <p:spPr>
+          <a:xfrm>
+            <a:off x="3884613" y="0"/>
+            <a:ext cx="2971800" cy="457200"/>
+          </a:xfrm>
+          <a:prstGeom prst="rect">
+            <a:avLst/>
+          </a:prstGeom>
+        </p:spPr>
+        <p:txBody>
+          <a:bodyPr vert="horz" lIns="91440" tIns="45720" rIns="91440" bIns="45720" rtlCol="0"/>
+          <a:lstStyle>
+            <a:lvl1pPr algn="r">
+              <a:defRPr sz="1200"/>
+            </a:lvl1pPr>
+          </a:lstStyle>
+          <a:p>
+            <a:fld id="{7A10419D-A2A6-4428-9259-E0A71E8AC15D}" type="datetimeFigureOut">
+              <a:rPr lang="ru-RU" smtClean="0"/>
+              <a:pPr/>
+              <a:t>04.08.2019</a:t>
+            </a:fld>
+            <a:endParaRPr lang="ru-RU"/>
+          </a:p>
+        </p:txBody>
+      </p:sp>
+      <p:sp>
+        <p:nvSpPr>
+          <p:cNvPr id="4" name="Образ слайда 3"/>
+          <p:cNvSpPr>
+            <a:spLocks noGrp="1" noRot="1" noChangeAspect="1"/>
+          </p:cNvSpPr>
+          <p:nvPr>
+            <p:ph type="sldImg" idx="2"/>
+          </p:nvPr>
+        </p:nvSpPr>
+        <p:spPr>
+          <a:xfrm>
+            <a:off x="381000" y="685800"/>
+            <a:ext cx="6096000" cy="3429000"/>
+          </a:xfrm>
+          <a:prstGeom prst="rect">
+            <a:avLst/>
+          </a:prstGeom>
+          <a:noFill/>
+          <a:ln w="12700">
+            <a:solidFill>
+              <a:prstClr val="black"/>
+            </a:solidFill>
+          </a:ln>
+        </p:spPr>
+        <p:txBody>
+          <a:bodyPr vert="horz" lIns="91440" tIns="45720" rIns="91440" bIns="45720" rtlCol="0" anchor="ctr"/>
+          <a:lstStyle/>
+          <a:p>
+            <a:endParaRPr lang="ru-RU"/>
+          </a:p>
+        </p:txBody>
+      </p:sp>
+      <p:sp>
+        <p:nvSpPr>
+          <p:cNvPr id="5" name="Заметки 4"/>
+          <p:cNvSpPr>
+            <a:spLocks noGrp="1"/>
+          </p:cNvSpPr>
+          <p:nvPr>
+            <p:ph type="body" sz="quarter" idx="3"/>
+          </p:nvPr>
+        </p:nvSpPr>
+        <p:spPr>
+          <a:xfrm>
+            <a:off x="685800" y="4343400"/>
+            <a:ext cx="5486400" cy="4114800"/>
+          </a:xfrm>
+          <a:prstGeom prst="rect">
+            <a:avLst/>
+          </a:prstGeom>
+        </p:spPr>
+        <p:txBody>
+          <a:bodyPr vert="horz" lIns="91440" tIns="45720" rIns="91440" bIns="45720" rtlCol="0">
+            <a:normAutofit/>
+          </a:bodyPr>
+          <a:lstStyle/>
+          <a:p>
+            <a:pPr lvl="0"/>
+            <a:r>
+              <a:rPr lang="ru-RU" smtClean="0"/>
+              <a:t>Образец текста</a:t>
+            </a:r>
+          </a:p>
+          <a:p>
+            <a:pPr lvl="1"/>
+            <a:r>
+              <a:rPr lang="ru-RU" smtClean="0"/>
+              <a:t>Второй уровень</a:t>
+            </a:r>
+          </a:p>
+          <a:p>
+            <a:pPr lvl="2"/>
+            <a:r>
+              <a:rPr lang="ru-RU" smtClean="0"/>
+              <a:t>Третий уровень</a:t>
+            </a:r>
+          </a:p>
+          <a:p>
+            <a:pPr lvl="3"/>
+            <a:r>
+              <a:rPr lang="ru-RU" smtClean="0"/>
+              <a:t>Четвертый уровень</a:t>
+            </a:r>
+          </a:p>
+          <a:p>
+            <a:pPr lvl="4"/>
+            <a:r>
+              <a:rPr lang="ru-RU" smtClean="0"/>
+              <a:t>Пятый уровень</a:t>
+            </a:r>
+            <a:endParaRPr lang="ru-RU"/>
+          </a:p>
+        </p:txBody>
+      </p:sp>
+      <p:sp>
+        <p:nvSpPr>
+          <p:cNvPr id="6" name="Нижний колонтитул 5"/>
+          <p:cNvSpPr>
+            <a:spLocks noGrp="1"/>
+          </p:cNvSpPr>
+          <p:nvPr>
+            <p:ph type="ftr" sz="quarter" idx="4"/>
+          </p:nvPr>
+        </p:nvSpPr>
+        <p:spPr>
+          <a:xfrm>
+            <a:off x="0" y="8685213"/>
+            <a:ext cx="2971800" cy="457200"/>
+          </a:xfrm>
+          <a:prstGeom prst="rect">
+            <a:avLst/>
+          </a:prstGeom>
+        </p:spPr>
+        <p:txBody>
+          <a:bodyPr vert="horz" lIns="91440" tIns="45720" rIns="91440" bIns="45720" rtlCol="0" anchor="b"/>
+          <a:lstStyle>
+            <a:lvl1pPr algn="l">
+              <a:defRPr sz="1200"/>
+            </a:lvl1pPr>
+          </a:lstStyle>
+          <a:p>
+            <a:endParaRPr lang="ru-RU"/>
+          </a:p>
+        </p:txBody>
+      </p:sp>
+      <p:sp>
+        <p:nvSpPr>
+          <p:cNvPr id="7" name="Номер слайда 6"/>
+          <p:cNvSpPr>
+            <a:spLocks noGrp="1"/>
+          </p:cNvSpPr>
+          <p:nvPr>
+            <p:ph type="sldNum" sz="quarter" idx="5"/>
+          </p:nvPr>
+        </p:nvSpPr>
+        <p:spPr>
+          <a:xfrm>
+            <a:off x="3884613" y="8685213"/>
+            <a:ext cx="2971800" cy="457200"/>
+          </a:xfrm>
+          <a:prstGeom prst="rect">
+            <a:avLst/>
+          </a:prstGeom>
+        </p:spPr>
+        <p:txBody>
+          <a:bodyPr vert="horz" lIns="91440" tIns="45720" rIns="91440" bIns="45720" rtlCol="0" anchor="b"/>
+          <a:lstStyle>
+            <a:lvl1pPr algn="r">
+              <a:defRPr sz="1200"/>
+            </a:lvl1pPr>
+          </a:lstStyle>
+          <a:p>
+            <a:fld id="{B68A1F21-9545-4648-A06E-786C94DFC7C4}" type="slidenum">
+              <a:rPr lang="ru-RU" smtClean="0"/>
+              <a:pPr/>
+              <a:t>‹#›</a:t>
+            </a:fld>
+            <a:endParaRPr lang="ru-RU"/>
+          </a:p>
+        </p:txBody>
+      </p:sp>
+    </p:spTree>
+  </p:cSld>
+  <p:clrMap bg1="lt1" tx1="dk1" bg2="lt2" tx2="dk2" accent1="accent1" accent2="accent2" accent3="accent3" accent4="accent4" accent5="accent5" accent6="accent6" hlink="hlink" folHlink="folHlink"/>
+  <p:notesStyle>
+    <a:lvl1pPr marL="0" algn="l" defTabSz="914400" rtl="0" eaLnBrk="1" latinLnBrk="0" hangingPunct="1">
+      <a:defRPr sz="1200" kern="1200">
+        <a:solidFill>
+          <a:schemeClr val="tx1"/>
+        </a:solidFill>
+        <a:latin typeface="+mn-lt"/>
+        <a:ea typeface="+mn-ea"/>
+        <a:cs typeface="+mn-cs"/>
+      </a:defRPr>
+    </a:lvl1pPr>
+    <a:lvl2pPr marL="457200" algn="l" defTabSz="914400" rtl="0" eaLnBrk="1" latinLnBrk="0" hangingPunct="1">
+      <a:defRPr sz="1200" kern="1200">
+        <a:solidFill>
+          <a:schemeClr val="tx1"/>
+        </a:solidFill>
+        <a:latin typeface="+mn-lt"/>
+        <a:ea typeface="+mn-ea"/>
+        <a:cs typeface="+mn-cs"/>
+      </a:defRPr>
+    </a:lvl2pPr>
+    <a:lvl3pPr marL="914400" algn="l" defTabSz="914400" rtl="0" eaLnBrk="1" latinLnBrk="0" hangingPunct="1">
+      <a:defRPr sz="1200" kern="1200">
+        <a:solidFill>
+          <a:schemeClr val="tx1"/>
+        </a:solidFill>
+        <a:latin typeface="+mn-lt"/>
+        <a:ea typeface="+mn-ea"/>
+        <a:cs typeface="+mn-cs"/>
+      </a:defRPr>
+    </a:lvl3pPr>
+    <a:lvl4pPr marL="1371600" algn="l" defTabSz="914400" rtl="0" eaLnBrk="1" latinLnBrk="0" hangingPunct="1">
+      <a:defRPr sz="1200" kern="1200">
+        <a:solidFill>
+          <a:schemeClr val="tx1"/>
+        </a:solidFill>
+        <a:latin typeface="+mn-lt"/>
+        <a:ea typeface="+mn-ea"/>
+        <a:cs typeface="+mn-cs"/>
+      </a:defRPr>
+    </a:lvl4pPr>
+    <a:lvl5pPr marL="1828800" algn="l" defTabSz="914400" rtl="0" eaLnBrk="1" latinLnBrk="0" hangingPunct="1">
+      <a:defRPr sz="1200" kern="1200">
+        <a:solidFill>
+          <a:schemeClr val="tx1"/>
+        </a:solidFill>
+        <a:latin typeface="+mn-lt"/>
+        <a:ea typeface="+mn-ea"/>
+        <a:cs typeface="+mn-cs"/>
+      </a:defRPr>
+    </a:lvl5pPr>
+    <a:lvl6pPr marL="2286000" algn="l" defTabSz="914400" rtl="0" eaLnBrk="1" latinLnBrk="0" hangingPunct="1">
+      <a:defRPr sz="1200" kern="1200">
+        <a:solidFill>
+          <a:schemeClr val="tx1"/>
+        </a:solidFill>
+        <a:latin typeface="+mn-lt"/>
+        <a:ea typeface="+mn-ea"/>
+        <a:cs typeface="+mn-cs"/>
+      </a:defRPr>
+    </a:lvl6pPr>
+    <a:lvl7pPr marL="2743200" algn="l" defTabSz="914400" rtl="0" eaLnBrk="1" latinLnBrk="0" hangingPunct="1">
+      <a:defRPr sz="1200" kern="1200">
+        <a:solidFill>
+          <a:schemeClr val="tx1"/>
+        </a:solidFill>
+        <a:latin typeface="+mn-lt"/>
+        <a:ea typeface="+mn-ea"/>
+        <a:cs typeface="+mn-cs"/>
+      </a:defRPr>
+    </a:lvl7pPr>
+    <a:lvl8pPr marL="3200400" algn="l" defTabSz="914400" rtl="0" eaLnBrk="1" latinLnBrk="0" hangingPunct="1">
+      <a:defRPr sz="1200" kern="1200">
+        <a:solidFill>
+          <a:schemeClr val="tx1"/>
+        </a:solidFill>
+        <a:latin typeface="+mn-lt"/>
+        <a:ea typeface="+mn-ea"/>
+        <a:cs typeface="+mn-cs"/>
+      </a:defRPr>
+    </a:lvl8pPr>
+    <a:lvl9pPr marL="3657600" algn="l" defTabSz="914400" rtl="0" eaLnBrk="1" latinLnBrk="0" hangingPunct="1">
+      <a:defRPr sz="1200" kern="1200">
+        <a:solidFill>
+          <a:schemeClr val="tx1"/>
+        </a:solidFill>
+        <a:latin typeface="+mn-lt"/>
+        <a:ea typeface="+mn-ea"/>
+        <a:cs typeface="+mn-cs"/>
+      </a:defRPr>
+    </a:lvl9pPr>
+  </p:notesStyle>
+</p:notesMaster>
+</file>
+
+<file path=ppt/notesSlides/notesSlide1.xml><?xml version="1.0" encoding="utf-8"?>
+<p:notes xmlns:a="http://schemas.openxmlformats.org/drawingml/2006/main" xmlns:r="http://schemas.openxmlformats.org/officeDocument/2006/relationships" xmlns:p="http://schemas.openxmlformats.org/presentationml/2006/main">
+  <p:cSld>
+    <p:spTree>
+      <p:nvGrpSpPr>
+        <p:cNvPr id="1" name=""/>
+        <p:cNvGrpSpPr/>
+        <p:nvPr/>
+      </p:nvGrpSpPr>
+      <p:grpSpPr>
+        <a:xfrm>
+          <a:off x="0" y="0"/>
+          <a:ext cx="0" cy="0"/>
+          <a:chOff x="0" y="0"/>
+          <a:chExt cx="0" cy="0"/>
+        </a:xfrm>
+      </p:grpSpPr>
+      <p:sp>
+        <p:nvSpPr>
+          <p:cNvPr id="2" name="Образ слайда 1"/>
+          <p:cNvSpPr>
+            <a:spLocks noGrp="1" noRot="1" noChangeAspect="1"/>
+          </p:cNvSpPr>
+          <p:nvPr>
+            <p:ph type="sldImg"/>
+          </p:nvPr>
+        </p:nvSpPr>
+        <p:spPr/>
+      </p:sp>
+      <p:sp>
+        <p:nvSpPr>
+          <p:cNvPr id="3" name="Заметки 2"/>
+          <p:cNvSpPr>
+            <a:spLocks noGrp="1"/>
+          </p:cNvSpPr>
+          <p:nvPr>
+            <p:ph type="body" idx="1"/>
+          </p:nvPr>
+        </p:nvSpPr>
+        <p:spPr/>
+        <p:txBody>
+          <a:bodyPr>
+            <a:normAutofit/>
+          </a:bodyPr>
+          <a:lstStyle/>
+          <a:p>
+            <a:endParaRPr lang="ru-RU" dirty="0"/>
+          </a:p>
+        </p:txBody>
+      </p:sp>
+      <p:sp>
+        <p:nvSpPr>
+          <p:cNvPr id="4" name="Номер слайда 3"/>
+          <p:cNvSpPr>
+            <a:spLocks noGrp="1"/>
+          </p:cNvSpPr>
+          <p:nvPr>
+            <p:ph type="sldNum" sz="quarter" idx="10"/>
+          </p:nvPr>
+        </p:nvSpPr>
+        <p:spPr/>
+        <p:txBody>
+          <a:bodyPr/>
+          <a:lstStyle/>
+          <a:p>
+            <a:fld id="{B68A1F21-9545-4648-A06E-786C94DFC7C4}" type="slidenum">
+              <a:rPr lang="ru-RU" smtClean="0"/>
+              <a:pPr/>
+              <a:t>2</a:t>
+            </a:fld>
+            <a:endParaRPr lang="ru-RU"/>
+          </a:p>
+        </p:txBody>
+      </p:sp>
+    </p:spTree>
+  </p:cSld>
+  <p:clrMapOvr>
+    <a:masterClrMapping/>
+  </p:clrMapOvr>
+</p:notes>
+</file>
+
+<file path=ppt/notesSlides/notesSlide10.xml><?xml version="1.0" encoding="utf-8"?>
+<p:notes xmlns:a="http://schemas.openxmlformats.org/drawingml/2006/main" xmlns:r="http://schemas.openxmlformats.org/officeDocument/2006/relationships" xmlns:p="http://schemas.openxmlformats.org/presentationml/2006/main">
+  <p:cSld>
+    <p:spTree>
+      <p:nvGrpSpPr>
+        <p:cNvPr id="1" name=""/>
+        <p:cNvGrpSpPr/>
+        <p:nvPr/>
+      </p:nvGrpSpPr>
+      <p:grpSpPr>
+        <a:xfrm>
+          <a:off x="0" y="0"/>
+          <a:ext cx="0" cy="0"/>
+          <a:chOff x="0" y="0"/>
+          <a:chExt cx="0" cy="0"/>
+        </a:xfrm>
+      </p:grpSpPr>
+      <p:sp>
+        <p:nvSpPr>
+          <p:cNvPr id="2" name="Образ слайда 1"/>
+          <p:cNvSpPr>
+            <a:spLocks noGrp="1" noRot="1" noChangeAspect="1"/>
+          </p:cNvSpPr>
+          <p:nvPr>
+            <p:ph type="sldImg"/>
+          </p:nvPr>
+        </p:nvSpPr>
+        <p:spPr/>
+      </p:sp>
+      <p:sp>
+        <p:nvSpPr>
+          <p:cNvPr id="3" name="Заметки 2"/>
+          <p:cNvSpPr>
+            <a:spLocks noGrp="1"/>
+          </p:cNvSpPr>
+          <p:nvPr>
+            <p:ph type="body" idx="1"/>
+          </p:nvPr>
+        </p:nvSpPr>
+        <p:spPr/>
+        <p:txBody>
+          <a:bodyPr>
+            <a:normAutofit/>
+          </a:bodyPr>
+          <a:lstStyle/>
+          <a:p>
+            <a:endParaRPr lang="ru-RU" dirty="0"/>
+          </a:p>
+        </p:txBody>
+      </p:sp>
+      <p:sp>
+        <p:nvSpPr>
+          <p:cNvPr id="4" name="Номер слайда 3"/>
+          <p:cNvSpPr>
+            <a:spLocks noGrp="1"/>
+          </p:cNvSpPr>
+          <p:nvPr>
+            <p:ph type="sldNum" sz="quarter" idx="10"/>
+          </p:nvPr>
+        </p:nvSpPr>
+        <p:spPr/>
+        <p:txBody>
+          <a:bodyPr/>
+          <a:lstStyle/>
+          <a:p>
+            <a:fld id="{B68A1F21-9545-4648-A06E-786C94DFC7C4}" type="slidenum">
+              <a:rPr lang="ru-RU" smtClean="0"/>
+              <a:pPr/>
+              <a:t>11</a:t>
+            </a:fld>
+            <a:endParaRPr lang="ru-RU"/>
+          </a:p>
+        </p:txBody>
+      </p:sp>
+    </p:spTree>
+  </p:cSld>
+  <p:clrMapOvr>
+    <a:masterClrMapping/>
+  </p:clrMapOvr>
+</p:notes>
+</file>
+
+<file path=ppt/notesSlides/notesSlide11.xml><?xml version="1.0" encoding="utf-8"?>
+<p:notes xmlns:a="http://schemas.openxmlformats.org/drawingml/2006/main" xmlns:r="http://schemas.openxmlformats.org/officeDocument/2006/relationships" xmlns:p="http://schemas.openxmlformats.org/presentationml/2006/main">
+  <p:cSld>
+    <p:spTree>
+      <p:nvGrpSpPr>
+        <p:cNvPr id="1" name=""/>
+        <p:cNvGrpSpPr/>
+        <p:nvPr/>
+      </p:nvGrpSpPr>
+      <p:grpSpPr>
+        <a:xfrm>
+          <a:off x="0" y="0"/>
+          <a:ext cx="0" cy="0"/>
+          <a:chOff x="0" y="0"/>
+          <a:chExt cx="0" cy="0"/>
+        </a:xfrm>
+      </p:grpSpPr>
+      <p:sp>
+        <p:nvSpPr>
+          <p:cNvPr id="2" name="Образ слайда 1"/>
+          <p:cNvSpPr>
+            <a:spLocks noGrp="1" noRot="1" noChangeAspect="1"/>
+          </p:cNvSpPr>
+          <p:nvPr>
+            <p:ph type="sldImg"/>
+          </p:nvPr>
+        </p:nvSpPr>
+        <p:spPr/>
+      </p:sp>
+      <p:sp>
+        <p:nvSpPr>
+          <p:cNvPr id="3" name="Заметки 2"/>
+          <p:cNvSpPr>
+            <a:spLocks noGrp="1"/>
+          </p:cNvSpPr>
+          <p:nvPr>
+            <p:ph type="body" idx="1"/>
+          </p:nvPr>
+        </p:nvSpPr>
+        <p:spPr/>
+        <p:txBody>
+          <a:bodyPr>
+            <a:normAutofit/>
+          </a:bodyPr>
+          <a:lstStyle/>
+          <a:p>
+            <a:endParaRPr lang="ru-RU" dirty="0"/>
+          </a:p>
+        </p:txBody>
+      </p:sp>
+      <p:sp>
+        <p:nvSpPr>
+          <p:cNvPr id="4" name="Номер слайда 3"/>
+          <p:cNvSpPr>
+            <a:spLocks noGrp="1"/>
+          </p:cNvSpPr>
+          <p:nvPr>
+            <p:ph type="sldNum" sz="quarter" idx="10"/>
+          </p:nvPr>
+        </p:nvSpPr>
+        <p:spPr/>
+        <p:txBody>
+          <a:bodyPr/>
+          <a:lstStyle/>
+          <a:p>
+            <a:fld id="{B68A1F21-9545-4648-A06E-786C94DFC7C4}" type="slidenum">
+              <a:rPr lang="ru-RU" smtClean="0"/>
+              <a:pPr/>
+              <a:t>12</a:t>
+            </a:fld>
+            <a:endParaRPr lang="ru-RU"/>
+          </a:p>
+        </p:txBody>
+      </p:sp>
+    </p:spTree>
+  </p:cSld>
+  <p:clrMapOvr>
+    <a:masterClrMapping/>
+  </p:clrMapOvr>
+</p:notes>
+</file>
+
+<file path=ppt/notesSlides/notesSlide12.xml><?xml version="1.0" encoding="utf-8"?>
+<p:notes xmlns:a="http://schemas.openxmlformats.org/drawingml/2006/main" xmlns:r="http://schemas.openxmlformats.org/officeDocument/2006/relationships" xmlns:p="http://schemas.openxmlformats.org/presentationml/2006/main">
+  <p:cSld>
+    <p:spTree>
+      <p:nvGrpSpPr>
+        <p:cNvPr id="1" name=""/>
+        <p:cNvGrpSpPr/>
+        <p:nvPr/>
+      </p:nvGrpSpPr>
+      <p:grpSpPr>
+        <a:xfrm>
+          <a:off x="0" y="0"/>
+          <a:ext cx="0" cy="0"/>
+          <a:chOff x="0" y="0"/>
+          <a:chExt cx="0" cy="0"/>
+        </a:xfrm>
+      </p:grpSpPr>
+      <p:sp>
+        <p:nvSpPr>
+          <p:cNvPr id="2" name="Образ слайда 1"/>
+          <p:cNvSpPr>
+            <a:spLocks noGrp="1" noRot="1" noChangeAspect="1"/>
+          </p:cNvSpPr>
+          <p:nvPr>
+            <p:ph type="sldImg"/>
+          </p:nvPr>
+        </p:nvSpPr>
+        <p:spPr/>
+      </p:sp>
+      <p:sp>
+        <p:nvSpPr>
+          <p:cNvPr id="3" name="Заметки 2"/>
+          <p:cNvSpPr>
+            <a:spLocks noGrp="1"/>
+          </p:cNvSpPr>
+          <p:nvPr>
+            <p:ph type="body" idx="1"/>
+          </p:nvPr>
+        </p:nvSpPr>
+        <p:spPr/>
+        <p:txBody>
+          <a:bodyPr>
+            <a:normAutofit/>
+          </a:bodyPr>
+          <a:lstStyle/>
+          <a:p>
+            <a:endParaRPr lang="ru-RU" dirty="0"/>
+          </a:p>
+        </p:txBody>
+      </p:sp>
+      <p:sp>
+        <p:nvSpPr>
+          <p:cNvPr id="4" name="Номер слайда 3"/>
+          <p:cNvSpPr>
+            <a:spLocks noGrp="1"/>
+          </p:cNvSpPr>
+          <p:nvPr>
+            <p:ph type="sldNum" sz="quarter" idx="10"/>
+          </p:nvPr>
+        </p:nvSpPr>
+        <p:spPr/>
+        <p:txBody>
+          <a:bodyPr/>
+          <a:lstStyle/>
+          <a:p>
+            <a:fld id="{B68A1F21-9545-4648-A06E-786C94DFC7C4}" type="slidenum">
+              <a:rPr lang="ru-RU" smtClean="0"/>
+              <a:pPr/>
+              <a:t>13</a:t>
+            </a:fld>
+            <a:endParaRPr lang="ru-RU"/>
+          </a:p>
+        </p:txBody>
+      </p:sp>
+    </p:spTree>
+  </p:cSld>
+  <p:clrMapOvr>
+    <a:masterClrMapping/>
+  </p:clrMapOvr>
+</p:notes>
+</file>
+
+<file path=ppt/notesSlides/notesSlide13.xml><?xml version="1.0" encoding="utf-8"?>
+<p:notes xmlns:a="http://schemas.openxmlformats.org/drawingml/2006/main" xmlns:r="http://schemas.openxmlformats.org/officeDocument/2006/relationships" xmlns:p="http://schemas.openxmlformats.org/presentationml/2006/main">
+  <p:cSld>
+    <p:spTree>
+      <p:nvGrpSpPr>
+        <p:cNvPr id="1" name=""/>
+        <p:cNvGrpSpPr/>
+        <p:nvPr/>
+      </p:nvGrpSpPr>
+      <p:grpSpPr>
+        <a:xfrm>
+          <a:off x="0" y="0"/>
+          <a:ext cx="0" cy="0"/>
+          <a:chOff x="0" y="0"/>
+          <a:chExt cx="0" cy="0"/>
+        </a:xfrm>
+      </p:grpSpPr>
+      <p:sp>
+        <p:nvSpPr>
+          <p:cNvPr id="2" name="Образ слайда 1"/>
+          <p:cNvSpPr>
+            <a:spLocks noGrp="1" noRot="1" noChangeAspect="1"/>
+          </p:cNvSpPr>
+          <p:nvPr>
+            <p:ph type="sldImg"/>
+          </p:nvPr>
+        </p:nvSpPr>
+        <p:spPr/>
+      </p:sp>
+      <p:sp>
+        <p:nvSpPr>
+          <p:cNvPr id="3" name="Заметки 2"/>
+          <p:cNvSpPr>
+            <a:spLocks noGrp="1"/>
+          </p:cNvSpPr>
+          <p:nvPr>
+            <p:ph type="body" idx="1"/>
+          </p:nvPr>
+        </p:nvSpPr>
+        <p:spPr/>
+        <p:txBody>
+          <a:bodyPr>
+            <a:normAutofit/>
+          </a:bodyPr>
+          <a:lstStyle/>
+          <a:p>
+            <a:endParaRPr lang="ru-RU" dirty="0"/>
+          </a:p>
+        </p:txBody>
+      </p:sp>
+      <p:sp>
+        <p:nvSpPr>
+          <p:cNvPr id="4" name="Номер слайда 3"/>
+          <p:cNvSpPr>
+            <a:spLocks noGrp="1"/>
+          </p:cNvSpPr>
+          <p:nvPr>
+            <p:ph type="sldNum" sz="quarter" idx="10"/>
+          </p:nvPr>
+        </p:nvSpPr>
+        <p:spPr/>
+        <p:txBody>
+          <a:bodyPr/>
+          <a:lstStyle/>
+          <a:p>
+            <a:fld id="{B68A1F21-9545-4648-A06E-786C94DFC7C4}" type="slidenum">
+              <a:rPr lang="ru-RU" smtClean="0"/>
+              <a:pPr/>
+              <a:t>14</a:t>
+            </a:fld>
+            <a:endParaRPr lang="ru-RU"/>
+          </a:p>
+        </p:txBody>
+      </p:sp>
+    </p:spTree>
+  </p:cSld>
+  <p:clrMapOvr>
+    <a:masterClrMapping/>
+  </p:clrMapOvr>
+</p:notes>
+</file>
+
+<file path=ppt/notesSlides/notesSlide14.xml><?xml version="1.0" encoding="utf-8"?>
+<p:notes xmlns:a="http://schemas.openxmlformats.org/drawingml/2006/main" xmlns:r="http://schemas.openxmlformats.org/officeDocument/2006/relationships" xmlns:p="http://schemas.openxmlformats.org/presentationml/2006/main">
+  <p:cSld>
+    <p:spTree>
+      <p:nvGrpSpPr>
+        <p:cNvPr id="1" name=""/>
+        <p:cNvGrpSpPr/>
+        <p:nvPr/>
+      </p:nvGrpSpPr>
+      <p:grpSpPr>
+        <a:xfrm>
+          <a:off x="0" y="0"/>
+          <a:ext cx="0" cy="0"/>
+          <a:chOff x="0" y="0"/>
+          <a:chExt cx="0" cy="0"/>
+        </a:xfrm>
+      </p:grpSpPr>
+      <p:sp>
+        <p:nvSpPr>
+          <p:cNvPr id="2" name="Образ слайда 1"/>
+          <p:cNvSpPr>
+            <a:spLocks noGrp="1" noRot="1" noChangeAspect="1"/>
+          </p:cNvSpPr>
+          <p:nvPr>
+            <p:ph type="sldImg"/>
+          </p:nvPr>
+        </p:nvSpPr>
+        <p:spPr/>
+      </p:sp>
+      <p:sp>
+        <p:nvSpPr>
+          <p:cNvPr id="3" name="Заметки 2"/>
+          <p:cNvSpPr>
+            <a:spLocks noGrp="1"/>
+          </p:cNvSpPr>
+          <p:nvPr>
+            <p:ph type="body" idx="1"/>
+          </p:nvPr>
+        </p:nvSpPr>
+        <p:spPr/>
+        <p:txBody>
+          <a:bodyPr>
+            <a:normAutofit/>
+          </a:bodyPr>
+          <a:lstStyle/>
+          <a:p>
+            <a:endParaRPr lang="ru-RU" dirty="0"/>
+          </a:p>
+        </p:txBody>
+      </p:sp>
+      <p:sp>
+        <p:nvSpPr>
+          <p:cNvPr id="4" name="Номер слайда 3"/>
+          <p:cNvSpPr>
+            <a:spLocks noGrp="1"/>
+          </p:cNvSpPr>
+          <p:nvPr>
+            <p:ph type="sldNum" sz="quarter" idx="10"/>
+          </p:nvPr>
+        </p:nvSpPr>
+        <p:spPr/>
+        <p:txBody>
+          <a:bodyPr/>
+          <a:lstStyle/>
+          <a:p>
+            <a:fld id="{B68A1F21-9545-4648-A06E-786C94DFC7C4}" type="slidenum">
+              <a:rPr lang="ru-RU" smtClean="0"/>
+              <a:pPr/>
+              <a:t>15</a:t>
+            </a:fld>
+            <a:endParaRPr lang="ru-RU"/>
+          </a:p>
+        </p:txBody>
+      </p:sp>
+    </p:spTree>
+  </p:cSld>
+  <p:clrMapOvr>
+    <a:masterClrMapping/>
+  </p:clrMapOvr>
+</p:notes>
+</file>
+
+<file path=ppt/notesSlides/notesSlide15.xml><?xml version="1.0" encoding="utf-8"?>
+<p:notes xmlns:a="http://schemas.openxmlformats.org/drawingml/2006/main" xmlns:r="http://schemas.openxmlformats.org/officeDocument/2006/relationships" xmlns:p="http://schemas.openxmlformats.org/presentationml/2006/main">
+  <p:cSld>
+    <p:spTree>
+      <p:nvGrpSpPr>
+        <p:cNvPr id="1" name=""/>
+        <p:cNvGrpSpPr/>
+        <p:nvPr/>
+      </p:nvGrpSpPr>
+      <p:grpSpPr>
+        <a:xfrm>
+          <a:off x="0" y="0"/>
+          <a:ext cx="0" cy="0"/>
+          <a:chOff x="0" y="0"/>
+          <a:chExt cx="0" cy="0"/>
+        </a:xfrm>
+      </p:grpSpPr>
+      <p:sp>
+        <p:nvSpPr>
+          <p:cNvPr id="2" name="Образ слайда 1"/>
+          <p:cNvSpPr>
+            <a:spLocks noGrp="1" noRot="1" noChangeAspect="1"/>
+          </p:cNvSpPr>
+          <p:nvPr>
+            <p:ph type="sldImg"/>
+          </p:nvPr>
+        </p:nvSpPr>
+        <p:spPr/>
+      </p:sp>
+      <p:sp>
+        <p:nvSpPr>
+          <p:cNvPr id="3" name="Заметки 2"/>
+          <p:cNvSpPr>
+            <a:spLocks noGrp="1"/>
+          </p:cNvSpPr>
+          <p:nvPr>
+            <p:ph type="body" idx="1"/>
+          </p:nvPr>
+        </p:nvSpPr>
+        <p:spPr/>
+        <p:txBody>
+          <a:bodyPr>
+            <a:normAutofit/>
+          </a:bodyPr>
+          <a:lstStyle/>
+          <a:p>
+            <a:endParaRPr lang="ru-RU" dirty="0"/>
+          </a:p>
+        </p:txBody>
+      </p:sp>
+      <p:sp>
+        <p:nvSpPr>
+          <p:cNvPr id="4" name="Номер слайда 3"/>
+          <p:cNvSpPr>
+            <a:spLocks noGrp="1"/>
+          </p:cNvSpPr>
+          <p:nvPr>
+            <p:ph type="sldNum" sz="quarter" idx="10"/>
+          </p:nvPr>
+        </p:nvSpPr>
+        <p:spPr/>
+        <p:txBody>
+          <a:bodyPr/>
+          <a:lstStyle/>
+          <a:p>
+            <a:fld id="{B68A1F21-9545-4648-A06E-786C94DFC7C4}" type="slidenum">
+              <a:rPr lang="ru-RU" smtClean="0"/>
+              <a:pPr/>
+              <a:t>16</a:t>
+            </a:fld>
+            <a:endParaRPr lang="ru-RU"/>
+          </a:p>
+        </p:txBody>
+      </p:sp>
+    </p:spTree>
+  </p:cSld>
+  <p:clrMapOvr>
+    <a:masterClrMapping/>
+  </p:clrMapOvr>
+</p:notes>
+</file>
+
+<file path=ppt/notesSlides/notesSlide16.xml><?xml version="1.0" encoding="utf-8"?>
+<p:notes xmlns:a="http://schemas.openxmlformats.org/drawingml/2006/main" xmlns:r="http://schemas.openxmlformats.org/officeDocument/2006/relationships" xmlns:p="http://schemas.openxmlformats.org/presentationml/2006/main">
+  <p:cSld>
+    <p:spTree>
+      <p:nvGrpSpPr>
+        <p:cNvPr id="1" name=""/>
+        <p:cNvGrpSpPr/>
+        <p:nvPr/>
+      </p:nvGrpSpPr>
+      <p:grpSpPr>
+        <a:xfrm>
+          <a:off x="0" y="0"/>
+          <a:ext cx="0" cy="0"/>
+          <a:chOff x="0" y="0"/>
+          <a:chExt cx="0" cy="0"/>
+        </a:xfrm>
+      </p:grpSpPr>
+      <p:sp>
+        <p:nvSpPr>
+          <p:cNvPr id="2" name="Образ слайда 1"/>
+          <p:cNvSpPr>
+            <a:spLocks noGrp="1" noRot="1" noChangeAspect="1"/>
+          </p:cNvSpPr>
+          <p:nvPr>
+            <p:ph type="sldImg"/>
+          </p:nvPr>
+        </p:nvSpPr>
+        <p:spPr/>
+      </p:sp>
+      <p:sp>
+        <p:nvSpPr>
+          <p:cNvPr id="3" name="Заметки 2"/>
+          <p:cNvSpPr>
+            <a:spLocks noGrp="1"/>
+          </p:cNvSpPr>
+          <p:nvPr>
+            <p:ph type="body" idx="1"/>
+          </p:nvPr>
+        </p:nvSpPr>
+        <p:spPr/>
+        <p:txBody>
+          <a:bodyPr>
+            <a:normAutofit/>
+          </a:bodyPr>
+          <a:lstStyle/>
+          <a:p>
+            <a:endParaRPr lang="ru-RU" dirty="0"/>
+          </a:p>
+        </p:txBody>
+      </p:sp>
+      <p:sp>
+        <p:nvSpPr>
+          <p:cNvPr id="4" name="Номер слайда 3"/>
+          <p:cNvSpPr>
+            <a:spLocks noGrp="1"/>
+          </p:cNvSpPr>
+          <p:nvPr>
+            <p:ph type="sldNum" sz="quarter" idx="10"/>
+          </p:nvPr>
+        </p:nvSpPr>
+        <p:spPr/>
+        <p:txBody>
+          <a:bodyPr/>
+          <a:lstStyle/>
+          <a:p>
+            <a:fld id="{B68A1F21-9545-4648-A06E-786C94DFC7C4}" type="slidenum">
+              <a:rPr lang="ru-RU" smtClean="0"/>
+              <a:pPr/>
+              <a:t>17</a:t>
+            </a:fld>
+            <a:endParaRPr lang="ru-RU"/>
+          </a:p>
+        </p:txBody>
+      </p:sp>
+    </p:spTree>
+  </p:cSld>
+  <p:clrMapOvr>
+    <a:masterClrMapping/>
+  </p:clrMapOvr>
+</p:notes>
+</file>
+
+<file path=ppt/notesSlides/notesSlide17.xml><?xml version="1.0" encoding="utf-8"?>
+<p:notes xmlns:a="http://schemas.openxmlformats.org/drawingml/2006/main" xmlns:r="http://schemas.openxmlformats.org/officeDocument/2006/relationships" xmlns:p="http://schemas.openxmlformats.org/presentationml/2006/main">
+  <p:cSld>
+    <p:spTree>
+      <p:nvGrpSpPr>
+        <p:cNvPr id="1" name=""/>
+        <p:cNvGrpSpPr/>
+        <p:nvPr/>
+      </p:nvGrpSpPr>
+      <p:grpSpPr>
+        <a:xfrm>
+          <a:off x="0" y="0"/>
+          <a:ext cx="0" cy="0"/>
+          <a:chOff x="0" y="0"/>
+          <a:chExt cx="0" cy="0"/>
+        </a:xfrm>
+      </p:grpSpPr>
+      <p:sp>
+        <p:nvSpPr>
+          <p:cNvPr id="2" name="Образ слайда 1"/>
+          <p:cNvSpPr>
+            <a:spLocks noGrp="1" noRot="1" noChangeAspect="1"/>
+          </p:cNvSpPr>
+          <p:nvPr>
+            <p:ph type="sldImg"/>
+          </p:nvPr>
+        </p:nvSpPr>
+        <p:spPr/>
+      </p:sp>
+      <p:sp>
+        <p:nvSpPr>
+          <p:cNvPr id="3" name="Заметки 2"/>
+          <p:cNvSpPr>
+            <a:spLocks noGrp="1"/>
+          </p:cNvSpPr>
+          <p:nvPr>
+            <p:ph type="body" idx="1"/>
+          </p:nvPr>
+        </p:nvSpPr>
+        <p:spPr/>
+        <p:txBody>
+          <a:bodyPr>
+            <a:normAutofit/>
+          </a:bodyPr>
+          <a:lstStyle/>
+          <a:p>
+            <a:endParaRPr lang="ru-RU" b="0" dirty="0"/>
+          </a:p>
+        </p:txBody>
+      </p:sp>
+      <p:sp>
+        <p:nvSpPr>
+          <p:cNvPr id="4" name="Номер слайда 3"/>
+          <p:cNvSpPr>
+            <a:spLocks noGrp="1"/>
+          </p:cNvSpPr>
+          <p:nvPr>
+            <p:ph type="sldNum" sz="quarter" idx="10"/>
+          </p:nvPr>
+        </p:nvSpPr>
+        <p:spPr/>
+        <p:txBody>
+          <a:bodyPr/>
+          <a:lstStyle/>
+          <a:p>
+            <a:fld id="{B68A1F21-9545-4648-A06E-786C94DFC7C4}" type="slidenum">
+              <a:rPr lang="ru-RU" smtClean="0"/>
+              <a:pPr/>
+              <a:t>18</a:t>
+            </a:fld>
+            <a:endParaRPr lang="ru-RU"/>
+          </a:p>
+        </p:txBody>
+      </p:sp>
+    </p:spTree>
+  </p:cSld>
+  <p:clrMapOvr>
+    <a:masterClrMapping/>
+  </p:clrMapOvr>
+</p:notes>
+</file>
+
+<file path=ppt/notesSlides/notesSlide18.xml><?xml version="1.0" encoding="utf-8"?>
+<p:notes xmlns:a="http://schemas.openxmlformats.org/drawingml/2006/main" xmlns:r="http://schemas.openxmlformats.org/officeDocument/2006/relationships" xmlns:p="http://schemas.openxmlformats.org/presentationml/2006/main">
+  <p:cSld>
+    <p:spTree>
+      <p:nvGrpSpPr>
+        <p:cNvPr id="1" name=""/>
+        <p:cNvGrpSpPr/>
+        <p:nvPr/>
+      </p:nvGrpSpPr>
+      <p:grpSpPr>
+        <a:xfrm>
+          <a:off x="0" y="0"/>
+          <a:ext cx="0" cy="0"/>
+          <a:chOff x="0" y="0"/>
+          <a:chExt cx="0" cy="0"/>
+        </a:xfrm>
+      </p:grpSpPr>
+      <p:sp>
+        <p:nvSpPr>
+          <p:cNvPr id="2" name="Образ слайда 1"/>
+          <p:cNvSpPr>
+            <a:spLocks noGrp="1" noRot="1" noChangeAspect="1"/>
+          </p:cNvSpPr>
+          <p:nvPr>
+            <p:ph type="sldImg"/>
+          </p:nvPr>
+        </p:nvSpPr>
+        <p:spPr/>
+      </p:sp>
+      <p:sp>
+        <p:nvSpPr>
+          <p:cNvPr id="3" name="Заметки 2"/>
+          <p:cNvSpPr>
+            <a:spLocks noGrp="1"/>
+          </p:cNvSpPr>
+          <p:nvPr>
+            <p:ph type="body" idx="1"/>
+          </p:nvPr>
+        </p:nvSpPr>
+        <p:spPr/>
+        <p:txBody>
+          <a:bodyPr>
+            <a:normAutofit/>
+          </a:bodyPr>
+          <a:lstStyle/>
+          <a:p>
+            <a:endParaRPr lang="ru-RU" dirty="0"/>
+          </a:p>
+        </p:txBody>
+      </p:sp>
+      <p:sp>
+        <p:nvSpPr>
+          <p:cNvPr id="4" name="Номер слайда 3"/>
+          <p:cNvSpPr>
+            <a:spLocks noGrp="1"/>
+          </p:cNvSpPr>
+          <p:nvPr>
+            <p:ph type="sldNum" sz="quarter" idx="10"/>
+          </p:nvPr>
+        </p:nvSpPr>
+        <p:spPr/>
+        <p:txBody>
+          <a:bodyPr/>
+          <a:lstStyle/>
+          <a:p>
+            <a:fld id="{B68A1F21-9545-4648-A06E-786C94DFC7C4}" type="slidenum">
+              <a:rPr lang="ru-RU" smtClean="0"/>
+              <a:pPr/>
+              <a:t>19</a:t>
+            </a:fld>
+            <a:endParaRPr lang="ru-RU"/>
+          </a:p>
+        </p:txBody>
+      </p:sp>
+    </p:spTree>
+  </p:cSld>
+  <p:clrMapOvr>
+    <a:masterClrMapping/>
+  </p:clrMapOvr>
+</p:notes>
+</file>
+
+<file path=ppt/notesSlides/notesSlide19.xml><?xml version="1.0" encoding="utf-8"?>
+<p:notes xmlns:a="http://schemas.openxmlformats.org/drawingml/2006/main" xmlns:r="http://schemas.openxmlformats.org/officeDocument/2006/relationships" xmlns:p="http://schemas.openxmlformats.org/presentationml/2006/main">
+  <p:cSld>
+    <p:spTree>
+      <p:nvGrpSpPr>
+        <p:cNvPr id="1" name=""/>
+        <p:cNvGrpSpPr/>
+        <p:nvPr/>
+      </p:nvGrpSpPr>
+      <p:grpSpPr>
+        <a:xfrm>
+          <a:off x="0" y="0"/>
+          <a:ext cx="0" cy="0"/>
+          <a:chOff x="0" y="0"/>
+          <a:chExt cx="0" cy="0"/>
+        </a:xfrm>
+      </p:grpSpPr>
+      <p:sp>
+        <p:nvSpPr>
+          <p:cNvPr id="2" name="Образ слайда 1"/>
+          <p:cNvSpPr>
+            <a:spLocks noGrp="1" noRot="1" noChangeAspect="1"/>
+          </p:cNvSpPr>
+          <p:nvPr>
+            <p:ph type="sldImg"/>
+          </p:nvPr>
+        </p:nvSpPr>
+        <p:spPr/>
+      </p:sp>
+      <p:sp>
+        <p:nvSpPr>
+          <p:cNvPr id="3" name="Заметки 2"/>
+          <p:cNvSpPr>
+            <a:spLocks noGrp="1"/>
+          </p:cNvSpPr>
+          <p:nvPr>
+            <p:ph type="body" idx="1"/>
+          </p:nvPr>
+        </p:nvSpPr>
+        <p:spPr/>
+        <p:txBody>
+          <a:bodyPr>
+            <a:normAutofit/>
+          </a:bodyPr>
+          <a:lstStyle/>
+          <a:p>
+            <a:endParaRPr lang="ru-RU" dirty="0"/>
+          </a:p>
+        </p:txBody>
+      </p:sp>
+      <p:sp>
+        <p:nvSpPr>
+          <p:cNvPr id="4" name="Номер слайда 3"/>
+          <p:cNvSpPr>
+            <a:spLocks noGrp="1"/>
+          </p:cNvSpPr>
+          <p:nvPr>
+            <p:ph type="sldNum" sz="quarter" idx="10"/>
+          </p:nvPr>
+        </p:nvSpPr>
+        <p:spPr/>
+        <p:txBody>
+          <a:bodyPr/>
+          <a:lstStyle/>
+          <a:p>
+            <a:fld id="{B68A1F21-9545-4648-A06E-786C94DFC7C4}" type="slidenum">
+              <a:rPr lang="ru-RU" smtClean="0"/>
+              <a:pPr/>
+              <a:t>20</a:t>
+            </a:fld>
+            <a:endParaRPr lang="ru-RU"/>
+          </a:p>
+        </p:txBody>
+      </p:sp>
+    </p:spTree>
+  </p:cSld>
+  <p:clrMapOvr>
+    <a:masterClrMapping/>
+  </p:clrMapOvr>
+</p:notes>
+</file>
+
+<file path=ppt/notesSlides/notesSlide2.xml><?xml version="1.0" encoding="utf-8"?>
+<p:notes xmlns:a="http://schemas.openxmlformats.org/drawingml/2006/main" xmlns:r="http://schemas.openxmlformats.org/officeDocument/2006/relationships" xmlns:p="http://schemas.openxmlformats.org/presentationml/2006/main">
+  <p:cSld>
+    <p:spTree>
+      <p:nvGrpSpPr>
+        <p:cNvPr id="1" name=""/>
+        <p:cNvGrpSpPr/>
+        <p:nvPr/>
+      </p:nvGrpSpPr>
+      <p:grpSpPr>
+        <a:xfrm>
+          <a:off x="0" y="0"/>
+          <a:ext cx="0" cy="0"/>
+          <a:chOff x="0" y="0"/>
+          <a:chExt cx="0" cy="0"/>
+        </a:xfrm>
+      </p:grpSpPr>
+      <p:sp>
+        <p:nvSpPr>
+          <p:cNvPr id="2" name="Образ слайда 1"/>
+          <p:cNvSpPr>
+            <a:spLocks noGrp="1" noRot="1" noChangeAspect="1"/>
+          </p:cNvSpPr>
+          <p:nvPr>
+            <p:ph type="sldImg"/>
+          </p:nvPr>
+        </p:nvSpPr>
+        <p:spPr/>
+      </p:sp>
+      <p:sp>
+        <p:nvSpPr>
+          <p:cNvPr id="3" name="Заметки 2"/>
+          <p:cNvSpPr>
+            <a:spLocks noGrp="1"/>
+          </p:cNvSpPr>
+          <p:nvPr>
+            <p:ph type="body" idx="1"/>
+          </p:nvPr>
+        </p:nvSpPr>
+        <p:spPr/>
+        <p:txBody>
+          <a:bodyPr>
+            <a:normAutofit/>
+          </a:bodyPr>
+          <a:lstStyle/>
+          <a:p>
+            <a:endParaRPr lang="ru-RU" dirty="0"/>
+          </a:p>
+        </p:txBody>
+      </p:sp>
+      <p:sp>
+        <p:nvSpPr>
+          <p:cNvPr id="4" name="Номер слайда 3"/>
+          <p:cNvSpPr>
+            <a:spLocks noGrp="1"/>
+          </p:cNvSpPr>
+          <p:nvPr>
+            <p:ph type="sldNum" sz="quarter" idx="10"/>
+          </p:nvPr>
+        </p:nvSpPr>
+        <p:spPr/>
+        <p:txBody>
+          <a:bodyPr/>
+          <a:lstStyle/>
+          <a:p>
+            <a:fld id="{B68A1F21-9545-4648-A06E-786C94DFC7C4}" type="slidenum">
+              <a:rPr lang="ru-RU" smtClean="0"/>
+              <a:pPr/>
+              <a:t>3</a:t>
+            </a:fld>
+            <a:endParaRPr lang="ru-RU"/>
+          </a:p>
+        </p:txBody>
+      </p:sp>
+    </p:spTree>
+  </p:cSld>
+  <p:clrMapOvr>
+    <a:masterClrMapping/>
+  </p:clrMapOvr>
+</p:notes>
+</file>
+
+<file path=ppt/notesSlides/notesSlide20.xml><?xml version="1.0" encoding="utf-8"?>
+<p:notes xmlns:a="http://schemas.openxmlformats.org/drawingml/2006/main" xmlns:r="http://schemas.openxmlformats.org/officeDocument/2006/relationships" xmlns:p="http://schemas.openxmlformats.org/presentationml/2006/main">
+  <p:cSld>
+    <p:spTree>
+      <p:nvGrpSpPr>
+        <p:cNvPr id="1" name=""/>
+        <p:cNvGrpSpPr/>
+        <p:nvPr/>
+      </p:nvGrpSpPr>
+      <p:grpSpPr>
+        <a:xfrm>
+          <a:off x="0" y="0"/>
+          <a:ext cx="0" cy="0"/>
+          <a:chOff x="0" y="0"/>
+          <a:chExt cx="0" cy="0"/>
+        </a:xfrm>
+      </p:grpSpPr>
+      <p:sp>
+        <p:nvSpPr>
+          <p:cNvPr id="2" name="Образ слайда 1"/>
+          <p:cNvSpPr>
+            <a:spLocks noGrp="1" noRot="1" noChangeAspect="1"/>
+          </p:cNvSpPr>
+          <p:nvPr>
+            <p:ph type="sldImg"/>
+          </p:nvPr>
+        </p:nvSpPr>
+        <p:spPr/>
+      </p:sp>
+      <p:sp>
+        <p:nvSpPr>
+          <p:cNvPr id="3" name="Заметки 2"/>
+          <p:cNvSpPr>
+            <a:spLocks noGrp="1"/>
+          </p:cNvSpPr>
+          <p:nvPr>
+            <p:ph type="body" idx="1"/>
+          </p:nvPr>
+        </p:nvSpPr>
+        <p:spPr/>
+        <p:txBody>
+          <a:bodyPr>
+            <a:normAutofit/>
+          </a:bodyPr>
+          <a:lstStyle/>
+          <a:p>
+            <a:endParaRPr lang="ru-RU" dirty="0"/>
+          </a:p>
+        </p:txBody>
+      </p:sp>
+      <p:sp>
+        <p:nvSpPr>
+          <p:cNvPr id="4" name="Номер слайда 3"/>
+          <p:cNvSpPr>
+            <a:spLocks noGrp="1"/>
+          </p:cNvSpPr>
+          <p:nvPr>
+            <p:ph type="sldNum" sz="quarter" idx="10"/>
+          </p:nvPr>
+        </p:nvSpPr>
+        <p:spPr/>
+        <p:txBody>
+          <a:bodyPr/>
+          <a:lstStyle/>
+          <a:p>
+            <a:fld id="{B68A1F21-9545-4648-A06E-786C94DFC7C4}" type="slidenum">
+              <a:rPr lang="ru-RU" smtClean="0"/>
+              <a:pPr/>
+              <a:t>21</a:t>
+            </a:fld>
+            <a:endParaRPr lang="ru-RU"/>
+          </a:p>
+        </p:txBody>
+      </p:sp>
+    </p:spTree>
+  </p:cSld>
+  <p:clrMapOvr>
+    <a:masterClrMapping/>
+  </p:clrMapOvr>
+</p:notes>
+</file>
+
+<file path=ppt/notesSlides/notesSlide21.xml><?xml version="1.0" encoding="utf-8"?>
+<p:notes xmlns:a="http://schemas.openxmlformats.org/drawingml/2006/main" xmlns:r="http://schemas.openxmlformats.org/officeDocument/2006/relationships" xmlns:p="http://schemas.openxmlformats.org/presentationml/2006/main">
+  <p:cSld>
+    <p:spTree>
+      <p:nvGrpSpPr>
+        <p:cNvPr id="1" name=""/>
+        <p:cNvGrpSpPr/>
+        <p:nvPr/>
+      </p:nvGrpSpPr>
+      <p:grpSpPr>
+        <a:xfrm>
+          <a:off x="0" y="0"/>
+          <a:ext cx="0" cy="0"/>
+          <a:chOff x="0" y="0"/>
+          <a:chExt cx="0" cy="0"/>
+        </a:xfrm>
+      </p:grpSpPr>
+      <p:sp>
+        <p:nvSpPr>
+          <p:cNvPr id="2" name="Образ слайда 1"/>
+          <p:cNvSpPr>
+            <a:spLocks noGrp="1" noRot="1" noChangeAspect="1"/>
+          </p:cNvSpPr>
+          <p:nvPr>
+            <p:ph type="sldImg"/>
+          </p:nvPr>
+        </p:nvSpPr>
+        <p:spPr/>
+      </p:sp>
+      <p:sp>
+        <p:nvSpPr>
+          <p:cNvPr id="3" name="Заметки 2"/>
+          <p:cNvSpPr>
+            <a:spLocks noGrp="1"/>
+          </p:cNvSpPr>
+          <p:nvPr>
+            <p:ph type="body" idx="1"/>
+          </p:nvPr>
+        </p:nvSpPr>
+        <p:spPr/>
+        <p:txBody>
+          <a:bodyPr>
+            <a:normAutofit/>
+          </a:bodyPr>
+          <a:lstStyle/>
+          <a:p>
+            <a:pPr marL="0" marR="0" indent="0" algn="l" defTabSz="914400" rtl="0" eaLnBrk="1" fontAlgn="auto" latinLnBrk="0" hangingPunct="1">
+              <a:lnSpc>
+                <a:spcPct val="100000"/>
+              </a:lnSpc>
+              <a:spcBef>
+                <a:spcPts val="0"/>
+              </a:spcBef>
+              <a:spcAft>
+                <a:spcPts val="0"/>
+              </a:spcAft>
+              <a:buClrTx/>
+              <a:buSzTx/>
+              <a:buFontTx/>
+              <a:buNone/>
+              <a:tabLst/>
+              <a:defRPr/>
+            </a:pPr>
+            <a:endParaRPr lang="ru-RU" dirty="0"/>
+          </a:p>
+        </p:txBody>
+      </p:sp>
+      <p:sp>
+        <p:nvSpPr>
+          <p:cNvPr id="4" name="Номер слайда 3"/>
+          <p:cNvSpPr>
+            <a:spLocks noGrp="1"/>
+          </p:cNvSpPr>
+          <p:nvPr>
+            <p:ph type="sldNum" sz="quarter" idx="10"/>
+          </p:nvPr>
+        </p:nvSpPr>
+        <p:spPr/>
+        <p:txBody>
+          <a:bodyPr/>
+          <a:lstStyle/>
+          <a:p>
+            <a:fld id="{B68A1F21-9545-4648-A06E-786C94DFC7C4}" type="slidenum">
+              <a:rPr lang="ru-RU" smtClean="0"/>
+              <a:pPr/>
+              <a:t>22</a:t>
+            </a:fld>
+            <a:endParaRPr lang="ru-RU"/>
+          </a:p>
+        </p:txBody>
+      </p:sp>
+    </p:spTree>
+  </p:cSld>
+  <p:clrMapOvr>
+    <a:masterClrMapping/>
+  </p:clrMapOvr>
+</p:notes>
+</file>
+
+<file path=ppt/notesSlides/notesSlide22.xml><?xml version="1.0" encoding="utf-8"?>
+<p:notes xmlns:a="http://schemas.openxmlformats.org/drawingml/2006/main" xmlns:r="http://schemas.openxmlformats.org/officeDocument/2006/relationships" xmlns:p="http://schemas.openxmlformats.org/presentationml/2006/main">
+  <p:cSld>
+    <p:spTree>
+      <p:nvGrpSpPr>
+        <p:cNvPr id="1" name=""/>
+        <p:cNvGrpSpPr/>
+        <p:nvPr/>
+      </p:nvGrpSpPr>
+      <p:grpSpPr>
+        <a:xfrm>
+          <a:off x="0" y="0"/>
+          <a:ext cx="0" cy="0"/>
+          <a:chOff x="0" y="0"/>
+          <a:chExt cx="0" cy="0"/>
+        </a:xfrm>
+      </p:grpSpPr>
+      <p:sp>
+        <p:nvSpPr>
+          <p:cNvPr id="2" name="Образ слайда 1"/>
+          <p:cNvSpPr>
+            <a:spLocks noGrp="1" noRot="1" noChangeAspect="1"/>
+          </p:cNvSpPr>
+          <p:nvPr>
+            <p:ph type="sldImg"/>
+          </p:nvPr>
+        </p:nvSpPr>
+        <p:spPr/>
+      </p:sp>
+      <p:sp>
+        <p:nvSpPr>
+          <p:cNvPr id="3" name="Заметки 2"/>
+          <p:cNvSpPr>
+            <a:spLocks noGrp="1"/>
+          </p:cNvSpPr>
+          <p:nvPr>
+            <p:ph type="body" idx="1"/>
+          </p:nvPr>
+        </p:nvSpPr>
+        <p:spPr/>
+        <p:txBody>
+          <a:bodyPr>
+            <a:normAutofit/>
+          </a:bodyPr>
+          <a:lstStyle/>
+          <a:p>
+            <a:pPr marL="0" marR="0" indent="0" algn="l" defTabSz="914400" rtl="0" eaLnBrk="1" fontAlgn="auto" latinLnBrk="0" hangingPunct="1">
+              <a:lnSpc>
+                <a:spcPct val="100000"/>
+              </a:lnSpc>
+              <a:spcBef>
+                <a:spcPts val="0"/>
+              </a:spcBef>
+              <a:spcAft>
+                <a:spcPts val="0"/>
+              </a:spcAft>
+              <a:buClrTx/>
+              <a:buSzTx/>
+              <a:buFontTx/>
+              <a:buNone/>
+              <a:tabLst/>
+              <a:defRPr/>
+            </a:pPr>
+            <a:endParaRPr lang="uk-UA" dirty="0" smtClean="0"/>
+          </a:p>
+        </p:txBody>
+      </p:sp>
+      <p:sp>
+        <p:nvSpPr>
+          <p:cNvPr id="4" name="Номер слайда 3"/>
+          <p:cNvSpPr>
+            <a:spLocks noGrp="1"/>
+          </p:cNvSpPr>
+          <p:nvPr>
+            <p:ph type="sldNum" sz="quarter" idx="10"/>
+          </p:nvPr>
+        </p:nvSpPr>
+        <p:spPr/>
+        <p:txBody>
+          <a:bodyPr/>
+          <a:lstStyle/>
+          <a:p>
+            <a:fld id="{B68A1F21-9545-4648-A06E-786C94DFC7C4}" type="slidenum">
+              <a:rPr lang="ru-RU" smtClean="0"/>
+              <a:pPr/>
+              <a:t>23</a:t>
+            </a:fld>
+            <a:endParaRPr lang="ru-RU"/>
+          </a:p>
+        </p:txBody>
+      </p:sp>
+    </p:spTree>
+  </p:cSld>
+  <p:clrMapOvr>
+    <a:masterClrMapping/>
+  </p:clrMapOvr>
+</p:notes>
+</file>
+
+<file path=ppt/notesSlides/notesSlide23.xml><?xml version="1.0" encoding="utf-8"?>
+<p:notes xmlns:a="http://schemas.openxmlformats.org/drawingml/2006/main" xmlns:r="http://schemas.openxmlformats.org/officeDocument/2006/relationships" xmlns:p="http://schemas.openxmlformats.org/presentationml/2006/main">
+  <p:cSld>
+    <p:spTree>
+      <p:nvGrpSpPr>
+        <p:cNvPr id="1" name=""/>
+        <p:cNvGrpSpPr/>
+        <p:nvPr/>
+      </p:nvGrpSpPr>
+      <p:grpSpPr>
+        <a:xfrm>
+          <a:off x="0" y="0"/>
+          <a:ext cx="0" cy="0"/>
+          <a:chOff x="0" y="0"/>
+          <a:chExt cx="0" cy="0"/>
+        </a:xfrm>
+      </p:grpSpPr>
+      <p:sp>
+        <p:nvSpPr>
+          <p:cNvPr id="2" name="Образ слайда 1"/>
+          <p:cNvSpPr>
+            <a:spLocks noGrp="1" noRot="1" noChangeAspect="1"/>
+          </p:cNvSpPr>
+          <p:nvPr>
+            <p:ph type="sldImg"/>
+          </p:nvPr>
+        </p:nvSpPr>
+        <p:spPr/>
+      </p:sp>
+      <p:sp>
+        <p:nvSpPr>
+          <p:cNvPr id="3" name="Заметки 2"/>
+          <p:cNvSpPr>
+            <a:spLocks noGrp="1"/>
+          </p:cNvSpPr>
+          <p:nvPr>
+            <p:ph type="body" idx="1"/>
+          </p:nvPr>
+        </p:nvSpPr>
+        <p:spPr/>
+        <p:txBody>
+          <a:bodyPr>
+            <a:normAutofit/>
+          </a:bodyPr>
+          <a:lstStyle/>
+          <a:p>
+            <a:pPr marL="0" marR="0" indent="0" algn="l" defTabSz="914400" rtl="0" eaLnBrk="1" fontAlgn="auto" latinLnBrk="0" hangingPunct="1">
+              <a:lnSpc>
+                <a:spcPct val="100000"/>
+              </a:lnSpc>
+              <a:spcBef>
+                <a:spcPts val="0"/>
+              </a:spcBef>
+              <a:spcAft>
+                <a:spcPts val="0"/>
+              </a:spcAft>
+              <a:buClrTx/>
+              <a:buSzTx/>
+              <a:buFontTx/>
+              <a:buNone/>
+              <a:tabLst/>
+              <a:defRPr/>
+            </a:pPr>
+            <a:endParaRPr lang="ru-RU" sz="1200" b="1" i="0" kern="1200" dirty="0" smtClean="0">
+              <a:solidFill>
+                <a:schemeClr val="tx1"/>
+              </a:solidFill>
+              <a:latin typeface="+mn-lt"/>
+              <a:ea typeface="+mn-ea"/>
+              <a:cs typeface="+mn-cs"/>
+            </a:endParaRPr>
+          </a:p>
+        </p:txBody>
+      </p:sp>
+      <p:sp>
+        <p:nvSpPr>
+          <p:cNvPr id="4" name="Номер слайда 3"/>
+          <p:cNvSpPr>
+            <a:spLocks noGrp="1"/>
+          </p:cNvSpPr>
+          <p:nvPr>
+            <p:ph type="sldNum" sz="quarter" idx="10"/>
+          </p:nvPr>
+        </p:nvSpPr>
+        <p:spPr/>
+        <p:txBody>
+          <a:bodyPr/>
+          <a:lstStyle/>
+          <a:p>
+            <a:fld id="{B68A1F21-9545-4648-A06E-786C94DFC7C4}" type="slidenum">
+              <a:rPr lang="ru-RU" smtClean="0"/>
+              <a:pPr/>
+              <a:t>24</a:t>
+            </a:fld>
+            <a:endParaRPr lang="ru-RU"/>
+          </a:p>
+        </p:txBody>
+      </p:sp>
+    </p:spTree>
+  </p:cSld>
+  <p:clrMapOvr>
+    <a:masterClrMapping/>
+  </p:clrMapOvr>
+</p:notes>
+</file>
+
+<file path=ppt/notesSlides/notesSlide24.xml><?xml version="1.0" encoding="utf-8"?>
+<p:notes xmlns:a="http://schemas.openxmlformats.org/drawingml/2006/main" xmlns:r="http://schemas.openxmlformats.org/officeDocument/2006/relationships" xmlns:p="http://schemas.openxmlformats.org/presentationml/2006/main">
+  <p:cSld>
+    <p:spTree>
+      <p:nvGrpSpPr>
+        <p:cNvPr id="1" name=""/>
+        <p:cNvGrpSpPr/>
+        <p:nvPr/>
+      </p:nvGrpSpPr>
+      <p:grpSpPr>
+        <a:xfrm>
+          <a:off x="0" y="0"/>
+          <a:ext cx="0" cy="0"/>
+          <a:chOff x="0" y="0"/>
+          <a:chExt cx="0" cy="0"/>
+        </a:xfrm>
+      </p:grpSpPr>
+      <p:sp>
+        <p:nvSpPr>
+          <p:cNvPr id="2" name="Образ слайда 1"/>
+          <p:cNvSpPr>
+            <a:spLocks noGrp="1" noRot="1" noChangeAspect="1"/>
+          </p:cNvSpPr>
+          <p:nvPr>
+            <p:ph type="sldImg"/>
+          </p:nvPr>
+        </p:nvSpPr>
+        <p:spPr/>
+      </p:sp>
+      <p:sp>
+        <p:nvSpPr>
+          <p:cNvPr id="3" name="Заметки 2"/>
+          <p:cNvSpPr>
+            <a:spLocks noGrp="1"/>
+          </p:cNvSpPr>
+          <p:nvPr>
+            <p:ph type="body" idx="1"/>
+          </p:nvPr>
+        </p:nvSpPr>
+        <p:spPr/>
+        <p:txBody>
+          <a:bodyPr>
+            <a:normAutofit/>
+          </a:bodyPr>
+          <a:lstStyle/>
+          <a:p>
+            <a:pPr marL="0" marR="0" indent="0" algn="l" defTabSz="914400" rtl="0" eaLnBrk="1" fontAlgn="auto" latinLnBrk="0" hangingPunct="1">
+              <a:lnSpc>
+                <a:spcPct val="100000"/>
+              </a:lnSpc>
+              <a:spcBef>
+                <a:spcPts val="0"/>
+              </a:spcBef>
+              <a:spcAft>
+                <a:spcPts val="0"/>
+              </a:spcAft>
+              <a:buClrTx/>
+              <a:buSzTx/>
+              <a:buFontTx/>
+              <a:buNone/>
+              <a:tabLst/>
+              <a:defRPr/>
+            </a:pPr>
+            <a:endParaRPr lang="ru-RU" dirty="0"/>
+          </a:p>
+        </p:txBody>
+      </p:sp>
+      <p:sp>
+        <p:nvSpPr>
+          <p:cNvPr id="4" name="Номер слайда 3"/>
+          <p:cNvSpPr>
+            <a:spLocks noGrp="1"/>
+          </p:cNvSpPr>
+          <p:nvPr>
+            <p:ph type="sldNum" sz="quarter" idx="10"/>
+          </p:nvPr>
+        </p:nvSpPr>
+        <p:spPr/>
+        <p:txBody>
+          <a:bodyPr/>
+          <a:lstStyle/>
+          <a:p>
+            <a:fld id="{B68A1F21-9545-4648-A06E-786C94DFC7C4}" type="slidenum">
+              <a:rPr lang="ru-RU" smtClean="0"/>
+              <a:pPr/>
+              <a:t>25</a:t>
+            </a:fld>
+            <a:endParaRPr lang="ru-RU"/>
+          </a:p>
+        </p:txBody>
+      </p:sp>
+    </p:spTree>
+  </p:cSld>
+  <p:clrMapOvr>
+    <a:masterClrMapping/>
+  </p:clrMapOvr>
+</p:notes>
+</file>
+
+<file path=ppt/notesSlides/notesSlide25.xml><?xml version="1.0" encoding="utf-8"?>
+<p:notes xmlns:a="http://schemas.openxmlformats.org/drawingml/2006/main" xmlns:r="http://schemas.openxmlformats.org/officeDocument/2006/relationships" xmlns:p="http://schemas.openxmlformats.org/presentationml/2006/main">
+  <p:cSld>
+    <p:spTree>
+      <p:nvGrpSpPr>
+        <p:cNvPr id="1" name=""/>
+        <p:cNvGrpSpPr/>
+        <p:nvPr/>
+      </p:nvGrpSpPr>
+      <p:grpSpPr>
+        <a:xfrm>
+          <a:off x="0" y="0"/>
+          <a:ext cx="0" cy="0"/>
+          <a:chOff x="0" y="0"/>
+          <a:chExt cx="0" cy="0"/>
+        </a:xfrm>
+      </p:grpSpPr>
+      <p:sp>
+        <p:nvSpPr>
+          <p:cNvPr id="2" name="Образ слайда 1"/>
+          <p:cNvSpPr>
+            <a:spLocks noGrp="1" noRot="1" noChangeAspect="1"/>
+          </p:cNvSpPr>
+          <p:nvPr>
+            <p:ph type="sldImg"/>
+          </p:nvPr>
+        </p:nvSpPr>
+        <p:spPr/>
+      </p:sp>
+      <p:sp>
+        <p:nvSpPr>
+          <p:cNvPr id="3" name="Заметки 2"/>
+          <p:cNvSpPr>
+            <a:spLocks noGrp="1"/>
+          </p:cNvSpPr>
+          <p:nvPr>
+            <p:ph type="body" idx="1"/>
+          </p:nvPr>
+        </p:nvSpPr>
+        <p:spPr/>
+        <p:txBody>
+          <a:bodyPr>
+            <a:normAutofit/>
+          </a:bodyPr>
+          <a:lstStyle/>
+          <a:p>
+            <a:endParaRPr lang="ru-RU" dirty="0"/>
+          </a:p>
+        </p:txBody>
+      </p:sp>
+      <p:sp>
+        <p:nvSpPr>
+          <p:cNvPr id="4" name="Номер слайда 3"/>
+          <p:cNvSpPr>
+            <a:spLocks noGrp="1"/>
+          </p:cNvSpPr>
+          <p:nvPr>
+            <p:ph type="sldNum" sz="quarter" idx="10"/>
+          </p:nvPr>
+        </p:nvSpPr>
+        <p:spPr/>
+        <p:txBody>
+          <a:bodyPr/>
+          <a:lstStyle/>
+          <a:p>
+            <a:fld id="{B68A1F21-9545-4648-A06E-786C94DFC7C4}" type="slidenum">
+              <a:rPr lang="ru-RU" smtClean="0"/>
+              <a:pPr/>
+              <a:t>26</a:t>
+            </a:fld>
+            <a:endParaRPr lang="ru-RU"/>
+          </a:p>
+        </p:txBody>
+      </p:sp>
+    </p:spTree>
+  </p:cSld>
+  <p:clrMapOvr>
+    <a:masterClrMapping/>
+  </p:clrMapOvr>
+</p:notes>
+</file>
+
+<file path=ppt/notesSlides/notesSlide26.xml><?xml version="1.0" encoding="utf-8"?>
+<p:notes xmlns:a="http://schemas.openxmlformats.org/drawingml/2006/main" xmlns:r="http://schemas.openxmlformats.org/officeDocument/2006/relationships" xmlns:p="http://schemas.openxmlformats.org/presentationml/2006/main">
+  <p:cSld>
+    <p:spTree>
+      <p:nvGrpSpPr>
+        <p:cNvPr id="1" name=""/>
+        <p:cNvGrpSpPr/>
+        <p:nvPr/>
+      </p:nvGrpSpPr>
+      <p:grpSpPr>
+        <a:xfrm>
+          <a:off x="0" y="0"/>
+          <a:ext cx="0" cy="0"/>
+          <a:chOff x="0" y="0"/>
+          <a:chExt cx="0" cy="0"/>
+        </a:xfrm>
+      </p:grpSpPr>
+      <p:sp>
+        <p:nvSpPr>
+          <p:cNvPr id="2" name="Образ слайда 1"/>
+          <p:cNvSpPr>
+            <a:spLocks noGrp="1" noRot="1" noChangeAspect="1"/>
+          </p:cNvSpPr>
+          <p:nvPr>
+            <p:ph type="sldImg"/>
+          </p:nvPr>
+        </p:nvSpPr>
+        <p:spPr/>
+      </p:sp>
+      <p:sp>
+        <p:nvSpPr>
+          <p:cNvPr id="3" name="Заметки 2"/>
+          <p:cNvSpPr>
+            <a:spLocks noGrp="1"/>
+          </p:cNvSpPr>
+          <p:nvPr>
+            <p:ph type="body" idx="1"/>
+          </p:nvPr>
+        </p:nvSpPr>
+        <p:spPr/>
+        <p:txBody>
+          <a:bodyPr>
+            <a:normAutofit/>
+          </a:bodyPr>
+          <a:lstStyle/>
+          <a:p>
+            <a:endParaRPr lang="ru-RU" dirty="0"/>
+          </a:p>
+        </p:txBody>
+      </p:sp>
+      <p:sp>
+        <p:nvSpPr>
+          <p:cNvPr id="4" name="Номер слайда 3"/>
+          <p:cNvSpPr>
+            <a:spLocks noGrp="1"/>
+          </p:cNvSpPr>
+          <p:nvPr>
+            <p:ph type="sldNum" sz="quarter" idx="10"/>
+          </p:nvPr>
+        </p:nvSpPr>
+        <p:spPr/>
+        <p:txBody>
+          <a:bodyPr/>
+          <a:lstStyle/>
+          <a:p>
+            <a:fld id="{B68A1F21-9545-4648-A06E-786C94DFC7C4}" type="slidenum">
+              <a:rPr lang="ru-RU" smtClean="0"/>
+              <a:pPr/>
+              <a:t>27</a:t>
+            </a:fld>
+            <a:endParaRPr lang="ru-RU"/>
+          </a:p>
+        </p:txBody>
+      </p:sp>
+    </p:spTree>
+  </p:cSld>
+  <p:clrMapOvr>
+    <a:masterClrMapping/>
+  </p:clrMapOvr>
+</p:notes>
+</file>
+
+<file path=ppt/notesSlides/notesSlide27.xml><?xml version="1.0" encoding="utf-8"?>
+<p:notes xmlns:a="http://schemas.openxmlformats.org/drawingml/2006/main" xmlns:r="http://schemas.openxmlformats.org/officeDocument/2006/relationships" xmlns:p="http://schemas.openxmlformats.org/presentationml/2006/main">
+  <p:cSld>
+    <p:spTree>
+      <p:nvGrpSpPr>
+        <p:cNvPr id="1" name=""/>
+        <p:cNvGrpSpPr/>
+        <p:nvPr/>
+      </p:nvGrpSpPr>
+      <p:grpSpPr>
+        <a:xfrm>
+          <a:off x="0" y="0"/>
+          <a:ext cx="0" cy="0"/>
+          <a:chOff x="0" y="0"/>
+          <a:chExt cx="0" cy="0"/>
+        </a:xfrm>
+      </p:grpSpPr>
+      <p:sp>
+        <p:nvSpPr>
+          <p:cNvPr id="2" name="Образ слайда 1"/>
+          <p:cNvSpPr>
+            <a:spLocks noGrp="1" noRot="1" noChangeAspect="1"/>
+          </p:cNvSpPr>
+          <p:nvPr>
+            <p:ph type="sldImg"/>
+          </p:nvPr>
+        </p:nvSpPr>
+        <p:spPr/>
+      </p:sp>
+      <p:sp>
+        <p:nvSpPr>
+          <p:cNvPr id="3" name="Заметки 2"/>
+          <p:cNvSpPr>
+            <a:spLocks noGrp="1"/>
+          </p:cNvSpPr>
+          <p:nvPr>
+            <p:ph type="body" idx="1"/>
+          </p:nvPr>
+        </p:nvSpPr>
+        <p:spPr/>
+        <p:txBody>
+          <a:bodyPr>
+            <a:normAutofit/>
+          </a:bodyPr>
+          <a:lstStyle/>
+          <a:p>
+            <a:endParaRPr lang="ru-RU" dirty="0"/>
+          </a:p>
+        </p:txBody>
+      </p:sp>
+      <p:sp>
+        <p:nvSpPr>
+          <p:cNvPr id="4" name="Номер слайда 3"/>
+          <p:cNvSpPr>
+            <a:spLocks noGrp="1"/>
+          </p:cNvSpPr>
+          <p:nvPr>
+            <p:ph type="sldNum" sz="quarter" idx="10"/>
+          </p:nvPr>
+        </p:nvSpPr>
+        <p:spPr/>
+        <p:txBody>
+          <a:bodyPr/>
+          <a:lstStyle/>
+          <a:p>
+            <a:fld id="{B68A1F21-9545-4648-A06E-786C94DFC7C4}" type="slidenum">
+              <a:rPr lang="ru-RU" smtClean="0"/>
+              <a:pPr/>
+              <a:t>28</a:t>
+            </a:fld>
+            <a:endParaRPr lang="ru-RU"/>
+          </a:p>
+        </p:txBody>
+      </p:sp>
+    </p:spTree>
+  </p:cSld>
+  <p:clrMapOvr>
+    <a:masterClrMapping/>
+  </p:clrMapOvr>
+</p:notes>
+</file>
+
+<file path=ppt/notesSlides/notesSlide28.xml><?xml version="1.0" encoding="utf-8"?>
+<p:notes xmlns:a="http://schemas.openxmlformats.org/drawingml/2006/main" xmlns:r="http://schemas.openxmlformats.org/officeDocument/2006/relationships" xmlns:p="http://schemas.openxmlformats.org/presentationml/2006/main">
+  <p:cSld>
+    <p:spTree>
+      <p:nvGrpSpPr>
+        <p:cNvPr id="1" name=""/>
+        <p:cNvGrpSpPr/>
+        <p:nvPr/>
+      </p:nvGrpSpPr>
+      <p:grpSpPr>
+        <a:xfrm>
+          <a:off x="0" y="0"/>
+          <a:ext cx="0" cy="0"/>
+          <a:chOff x="0" y="0"/>
+          <a:chExt cx="0" cy="0"/>
+        </a:xfrm>
+      </p:grpSpPr>
+      <p:sp>
+        <p:nvSpPr>
+          <p:cNvPr id="2" name="Образ слайда 1"/>
+          <p:cNvSpPr>
+            <a:spLocks noGrp="1" noRot="1" noChangeAspect="1"/>
+          </p:cNvSpPr>
+          <p:nvPr>
+            <p:ph type="sldImg"/>
+          </p:nvPr>
+        </p:nvSpPr>
+        <p:spPr/>
+      </p:sp>
+      <p:sp>
+        <p:nvSpPr>
+          <p:cNvPr id="3" name="Заметки 2"/>
+          <p:cNvSpPr>
+            <a:spLocks noGrp="1"/>
+          </p:cNvSpPr>
+          <p:nvPr>
+            <p:ph type="body" idx="1"/>
+          </p:nvPr>
+        </p:nvSpPr>
+        <p:spPr/>
+        <p:txBody>
+          <a:bodyPr>
+            <a:normAutofit/>
+          </a:bodyPr>
+          <a:lstStyle/>
+          <a:p>
+            <a:endParaRPr lang="ru-RU" dirty="0"/>
+          </a:p>
+        </p:txBody>
+      </p:sp>
+      <p:sp>
+        <p:nvSpPr>
+          <p:cNvPr id="4" name="Номер слайда 3"/>
+          <p:cNvSpPr>
+            <a:spLocks noGrp="1"/>
+          </p:cNvSpPr>
+          <p:nvPr>
+            <p:ph type="sldNum" sz="quarter" idx="10"/>
+          </p:nvPr>
+        </p:nvSpPr>
+        <p:spPr/>
+        <p:txBody>
+          <a:bodyPr/>
+          <a:lstStyle/>
+          <a:p>
+            <a:fld id="{B68A1F21-9545-4648-A06E-786C94DFC7C4}" type="slidenum">
+              <a:rPr lang="ru-RU" smtClean="0"/>
+              <a:pPr/>
+              <a:t>29</a:t>
+            </a:fld>
+            <a:endParaRPr lang="ru-RU"/>
+          </a:p>
+        </p:txBody>
+      </p:sp>
+    </p:spTree>
+  </p:cSld>
+  <p:clrMapOvr>
+    <a:masterClrMapping/>
+  </p:clrMapOvr>
+</p:notes>
+</file>
+
+<file path=ppt/notesSlides/notesSlide29.xml><?xml version="1.0" encoding="utf-8"?>
+<p:notes xmlns:a="http://schemas.openxmlformats.org/drawingml/2006/main" xmlns:r="http://schemas.openxmlformats.org/officeDocument/2006/relationships" xmlns:p="http://schemas.openxmlformats.org/presentationml/2006/main">
+  <p:cSld>
+    <p:spTree>
+      <p:nvGrpSpPr>
+        <p:cNvPr id="1" name=""/>
+        <p:cNvGrpSpPr/>
+        <p:nvPr/>
+      </p:nvGrpSpPr>
+      <p:grpSpPr>
+        <a:xfrm>
+          <a:off x="0" y="0"/>
+          <a:ext cx="0" cy="0"/>
+          <a:chOff x="0" y="0"/>
+          <a:chExt cx="0" cy="0"/>
+        </a:xfrm>
+      </p:grpSpPr>
+      <p:sp>
+        <p:nvSpPr>
+          <p:cNvPr id="2" name="Образ слайда 1"/>
+          <p:cNvSpPr>
+            <a:spLocks noGrp="1" noRot="1" noChangeAspect="1"/>
+          </p:cNvSpPr>
+          <p:nvPr>
+            <p:ph type="sldImg"/>
+          </p:nvPr>
+        </p:nvSpPr>
+        <p:spPr/>
+      </p:sp>
+      <p:sp>
+        <p:nvSpPr>
+          <p:cNvPr id="3" name="Заметки 2"/>
+          <p:cNvSpPr>
+            <a:spLocks noGrp="1"/>
+          </p:cNvSpPr>
+          <p:nvPr>
+            <p:ph type="body" idx="1"/>
+          </p:nvPr>
+        </p:nvSpPr>
+        <p:spPr/>
+        <p:txBody>
+          <a:bodyPr>
+            <a:normAutofit/>
+          </a:bodyPr>
+          <a:lstStyle/>
+          <a:p>
+            <a:endParaRPr lang="ru-RU" dirty="0"/>
+          </a:p>
+        </p:txBody>
+      </p:sp>
+      <p:sp>
+        <p:nvSpPr>
+          <p:cNvPr id="4" name="Номер слайда 3"/>
+          <p:cNvSpPr>
+            <a:spLocks noGrp="1"/>
+          </p:cNvSpPr>
+          <p:nvPr>
+            <p:ph type="sldNum" sz="quarter" idx="10"/>
+          </p:nvPr>
+        </p:nvSpPr>
+        <p:spPr/>
+        <p:txBody>
+          <a:bodyPr/>
+          <a:lstStyle/>
+          <a:p>
+            <a:fld id="{B68A1F21-9545-4648-A06E-786C94DFC7C4}" type="slidenum">
+              <a:rPr lang="ru-RU" smtClean="0"/>
+              <a:pPr/>
+              <a:t>30</a:t>
+            </a:fld>
+            <a:endParaRPr lang="ru-RU"/>
+          </a:p>
+        </p:txBody>
+      </p:sp>
+    </p:spTree>
+  </p:cSld>
+  <p:clrMapOvr>
+    <a:masterClrMapping/>
+  </p:clrMapOvr>
+</p:notes>
+</file>
+
+<file path=ppt/notesSlides/notesSlide3.xml><?xml version="1.0" encoding="utf-8"?>
+<p:notes xmlns:a="http://schemas.openxmlformats.org/drawingml/2006/main" xmlns:r="http://schemas.openxmlformats.org/officeDocument/2006/relationships" xmlns:p="http://schemas.openxmlformats.org/presentationml/2006/main">
+  <p:cSld>
+    <p:spTree>
+      <p:nvGrpSpPr>
+        <p:cNvPr id="1" name=""/>
+        <p:cNvGrpSpPr/>
+        <p:nvPr/>
+      </p:nvGrpSpPr>
+      <p:grpSpPr>
+        <a:xfrm>
+          <a:off x="0" y="0"/>
+          <a:ext cx="0" cy="0"/>
+          <a:chOff x="0" y="0"/>
+          <a:chExt cx="0" cy="0"/>
+        </a:xfrm>
+      </p:grpSpPr>
+      <p:sp>
+        <p:nvSpPr>
+          <p:cNvPr id="2" name="Образ слайда 1"/>
+          <p:cNvSpPr>
+            <a:spLocks noGrp="1" noRot="1" noChangeAspect="1"/>
+          </p:cNvSpPr>
+          <p:nvPr>
+            <p:ph type="sldImg"/>
+          </p:nvPr>
+        </p:nvSpPr>
+        <p:spPr/>
+      </p:sp>
+      <p:sp>
+        <p:nvSpPr>
+          <p:cNvPr id="3" name="Заметки 2"/>
+          <p:cNvSpPr>
+            <a:spLocks noGrp="1"/>
+          </p:cNvSpPr>
+          <p:nvPr>
+            <p:ph type="body" idx="1"/>
+          </p:nvPr>
+        </p:nvSpPr>
+        <p:spPr/>
+        <p:txBody>
+          <a:bodyPr>
+            <a:normAutofit/>
+          </a:bodyPr>
+          <a:lstStyle/>
+          <a:p>
+            <a:endParaRPr lang="ru-RU" dirty="0"/>
+          </a:p>
+        </p:txBody>
+      </p:sp>
+      <p:sp>
+        <p:nvSpPr>
+          <p:cNvPr id="4" name="Номер слайда 3"/>
+          <p:cNvSpPr>
+            <a:spLocks noGrp="1"/>
+          </p:cNvSpPr>
+          <p:nvPr>
+            <p:ph type="sldNum" sz="quarter" idx="10"/>
+          </p:nvPr>
+        </p:nvSpPr>
+        <p:spPr/>
+        <p:txBody>
+          <a:bodyPr/>
+          <a:lstStyle/>
+          <a:p>
+            <a:fld id="{B68A1F21-9545-4648-A06E-786C94DFC7C4}" type="slidenum">
+              <a:rPr lang="ru-RU" smtClean="0"/>
+              <a:pPr/>
+              <a:t>4</a:t>
+            </a:fld>
+            <a:endParaRPr lang="ru-RU"/>
+          </a:p>
+        </p:txBody>
+      </p:sp>
+    </p:spTree>
+  </p:cSld>
+  <p:clrMapOvr>
+    <a:masterClrMapping/>
+  </p:clrMapOvr>
+</p:notes>
+</file>
+
+<file path=ppt/notesSlides/notesSlide4.xml><?xml version="1.0" encoding="utf-8"?>
+<p:notes xmlns:a="http://schemas.openxmlformats.org/drawingml/2006/main" xmlns:r="http://schemas.openxmlformats.org/officeDocument/2006/relationships" xmlns:p="http://schemas.openxmlformats.org/presentationml/2006/main">
+  <p:cSld>
+    <p:spTree>
+      <p:nvGrpSpPr>
+        <p:cNvPr id="1" name=""/>
+        <p:cNvGrpSpPr/>
+        <p:nvPr/>
+      </p:nvGrpSpPr>
+      <p:grpSpPr>
+        <a:xfrm>
+          <a:off x="0" y="0"/>
+          <a:ext cx="0" cy="0"/>
+          <a:chOff x="0" y="0"/>
+          <a:chExt cx="0" cy="0"/>
+        </a:xfrm>
+      </p:grpSpPr>
+      <p:sp>
+        <p:nvSpPr>
+          <p:cNvPr id="2" name="Образ слайда 1"/>
+          <p:cNvSpPr>
+            <a:spLocks noGrp="1" noRot="1" noChangeAspect="1"/>
+          </p:cNvSpPr>
+          <p:nvPr>
+            <p:ph type="sldImg"/>
+          </p:nvPr>
+        </p:nvSpPr>
+        <p:spPr/>
+      </p:sp>
+      <p:sp>
+        <p:nvSpPr>
+          <p:cNvPr id="3" name="Заметки 2"/>
+          <p:cNvSpPr>
+            <a:spLocks noGrp="1"/>
+          </p:cNvSpPr>
+          <p:nvPr>
+            <p:ph type="body" idx="1"/>
+          </p:nvPr>
+        </p:nvSpPr>
+        <p:spPr/>
+        <p:txBody>
+          <a:bodyPr>
+            <a:normAutofit/>
+          </a:bodyPr>
+          <a:lstStyle/>
+          <a:p>
+            <a:endParaRPr lang="ru-RU" dirty="0"/>
+          </a:p>
+        </p:txBody>
+      </p:sp>
+      <p:sp>
+        <p:nvSpPr>
+          <p:cNvPr id="4" name="Номер слайда 3"/>
+          <p:cNvSpPr>
+            <a:spLocks noGrp="1"/>
+          </p:cNvSpPr>
+          <p:nvPr>
+            <p:ph type="sldNum" sz="quarter" idx="10"/>
+          </p:nvPr>
+        </p:nvSpPr>
+        <p:spPr/>
+        <p:txBody>
+          <a:bodyPr/>
+          <a:lstStyle/>
+          <a:p>
+            <a:fld id="{B68A1F21-9545-4648-A06E-786C94DFC7C4}" type="slidenum">
+              <a:rPr lang="ru-RU" smtClean="0"/>
+              <a:pPr/>
+              <a:t>5</a:t>
+            </a:fld>
+            <a:endParaRPr lang="ru-RU"/>
+          </a:p>
+        </p:txBody>
+      </p:sp>
+    </p:spTree>
+  </p:cSld>
+  <p:clrMapOvr>
+    <a:masterClrMapping/>
+  </p:clrMapOvr>
+</p:notes>
+</file>
+
+<file path=ppt/notesSlides/notesSlide5.xml><?xml version="1.0" encoding="utf-8"?>
+<p:notes xmlns:a="http://schemas.openxmlformats.org/drawingml/2006/main" xmlns:r="http://schemas.openxmlformats.org/officeDocument/2006/relationships" xmlns:p="http://schemas.openxmlformats.org/presentationml/2006/main">
+  <p:cSld>
+    <p:spTree>
+      <p:nvGrpSpPr>
+        <p:cNvPr id="1" name=""/>
+        <p:cNvGrpSpPr/>
+        <p:nvPr/>
+      </p:nvGrpSpPr>
+      <p:grpSpPr>
+        <a:xfrm>
+          <a:off x="0" y="0"/>
+          <a:ext cx="0" cy="0"/>
+          <a:chOff x="0" y="0"/>
+          <a:chExt cx="0" cy="0"/>
+        </a:xfrm>
+      </p:grpSpPr>
+      <p:sp>
+        <p:nvSpPr>
+          <p:cNvPr id="2" name="Образ слайда 1"/>
+          <p:cNvSpPr>
+            <a:spLocks noGrp="1" noRot="1" noChangeAspect="1"/>
+          </p:cNvSpPr>
+          <p:nvPr>
+            <p:ph type="sldImg"/>
+          </p:nvPr>
+        </p:nvSpPr>
+        <p:spPr/>
+      </p:sp>
+      <p:sp>
+        <p:nvSpPr>
+          <p:cNvPr id="3" name="Заметки 2"/>
+          <p:cNvSpPr>
+            <a:spLocks noGrp="1"/>
+          </p:cNvSpPr>
+          <p:nvPr>
+            <p:ph type="body" idx="1"/>
+          </p:nvPr>
+        </p:nvSpPr>
+        <p:spPr/>
+        <p:txBody>
+          <a:bodyPr>
+            <a:normAutofit/>
+          </a:bodyPr>
+          <a:lstStyle/>
+          <a:p>
+            <a:endParaRPr lang="ru-RU" dirty="0"/>
+          </a:p>
+        </p:txBody>
+      </p:sp>
+      <p:sp>
+        <p:nvSpPr>
+          <p:cNvPr id="4" name="Номер слайда 3"/>
+          <p:cNvSpPr>
+            <a:spLocks noGrp="1"/>
+          </p:cNvSpPr>
+          <p:nvPr>
+            <p:ph type="sldNum" sz="quarter" idx="10"/>
+          </p:nvPr>
+        </p:nvSpPr>
+        <p:spPr/>
+        <p:txBody>
+          <a:bodyPr/>
+          <a:lstStyle/>
+          <a:p>
+            <a:fld id="{B68A1F21-9545-4648-A06E-786C94DFC7C4}" type="slidenum">
+              <a:rPr lang="ru-RU" smtClean="0"/>
+              <a:pPr/>
+              <a:t>6</a:t>
+            </a:fld>
+            <a:endParaRPr lang="ru-RU"/>
+          </a:p>
+        </p:txBody>
+      </p:sp>
+    </p:spTree>
+  </p:cSld>
+  <p:clrMapOvr>
+    <a:masterClrMapping/>
+  </p:clrMapOvr>
+</p:notes>
+</file>
+
+<file path=ppt/notesSlides/notesSlide6.xml><?xml version="1.0" encoding="utf-8"?>
+<p:notes xmlns:a="http://schemas.openxmlformats.org/drawingml/2006/main" xmlns:r="http://schemas.openxmlformats.org/officeDocument/2006/relationships" xmlns:p="http://schemas.openxmlformats.org/presentationml/2006/main">
+  <p:cSld>
+    <p:spTree>
+      <p:nvGrpSpPr>
+        <p:cNvPr id="1" name=""/>
+        <p:cNvGrpSpPr/>
+        <p:nvPr/>
+      </p:nvGrpSpPr>
+      <p:grpSpPr>
+        <a:xfrm>
+          <a:off x="0" y="0"/>
+          <a:ext cx="0" cy="0"/>
+          <a:chOff x="0" y="0"/>
+          <a:chExt cx="0" cy="0"/>
+        </a:xfrm>
+      </p:grpSpPr>
+      <p:sp>
+        <p:nvSpPr>
+          <p:cNvPr id="2" name="Образ слайда 1"/>
+          <p:cNvSpPr>
+            <a:spLocks noGrp="1" noRot="1" noChangeAspect="1"/>
+          </p:cNvSpPr>
+          <p:nvPr>
+            <p:ph type="sldImg"/>
+          </p:nvPr>
+        </p:nvSpPr>
+        <p:spPr/>
+      </p:sp>
+      <p:sp>
+        <p:nvSpPr>
+          <p:cNvPr id="3" name="Заметки 2"/>
+          <p:cNvSpPr>
+            <a:spLocks noGrp="1"/>
+          </p:cNvSpPr>
+          <p:nvPr>
+            <p:ph type="body" idx="1"/>
+          </p:nvPr>
+        </p:nvSpPr>
+        <p:spPr/>
+        <p:txBody>
+          <a:bodyPr>
+            <a:normAutofit/>
+          </a:bodyPr>
+          <a:lstStyle/>
+          <a:p>
+            <a:pPr marL="0" marR="0" indent="0" algn="l" defTabSz="914400" rtl="0" eaLnBrk="1" fontAlgn="auto" latinLnBrk="0" hangingPunct="1">
+              <a:lnSpc>
+                <a:spcPct val="100000"/>
+              </a:lnSpc>
+              <a:spcBef>
+                <a:spcPts val="0"/>
+              </a:spcBef>
+              <a:spcAft>
+                <a:spcPts val="0"/>
+              </a:spcAft>
+              <a:buClrTx/>
+              <a:buSzTx/>
+              <a:buFontTx/>
+              <a:buNone/>
+              <a:tabLst/>
+              <a:defRPr/>
+            </a:pPr>
+            <a:endParaRPr lang="en-US" sz="1200" b="0" i="0" kern="1200" dirty="0" smtClean="0">
+              <a:solidFill>
+                <a:schemeClr val="tx1"/>
+              </a:solidFill>
+              <a:latin typeface="+mn-lt"/>
+              <a:ea typeface="+mn-ea"/>
+              <a:cs typeface="+mn-cs"/>
+            </a:endParaRPr>
+          </a:p>
+        </p:txBody>
+      </p:sp>
+      <p:sp>
+        <p:nvSpPr>
+          <p:cNvPr id="4" name="Номер слайда 3"/>
+          <p:cNvSpPr>
+            <a:spLocks noGrp="1"/>
+          </p:cNvSpPr>
+          <p:nvPr>
+            <p:ph type="sldNum" sz="quarter" idx="10"/>
+          </p:nvPr>
+        </p:nvSpPr>
+        <p:spPr/>
+        <p:txBody>
+          <a:bodyPr/>
+          <a:lstStyle/>
+          <a:p>
+            <a:fld id="{B68A1F21-9545-4648-A06E-786C94DFC7C4}" type="slidenum">
+              <a:rPr lang="ru-RU" smtClean="0"/>
+              <a:pPr/>
+              <a:t>7</a:t>
+            </a:fld>
+            <a:endParaRPr lang="ru-RU"/>
+          </a:p>
+        </p:txBody>
+      </p:sp>
+    </p:spTree>
+  </p:cSld>
+  <p:clrMapOvr>
+    <a:masterClrMapping/>
+  </p:clrMapOvr>
+</p:notes>
+</file>
+
+<file path=ppt/notesSlides/notesSlide7.xml><?xml version="1.0" encoding="utf-8"?>
+<p:notes xmlns:a="http://schemas.openxmlformats.org/drawingml/2006/main" xmlns:r="http://schemas.openxmlformats.org/officeDocument/2006/relationships" xmlns:p="http://schemas.openxmlformats.org/presentationml/2006/main">
+  <p:cSld>
+    <p:spTree>
+      <p:nvGrpSpPr>
+        <p:cNvPr id="1" name=""/>
+        <p:cNvGrpSpPr/>
+        <p:nvPr/>
+      </p:nvGrpSpPr>
+      <p:grpSpPr>
+        <a:xfrm>
+          <a:off x="0" y="0"/>
+          <a:ext cx="0" cy="0"/>
+          <a:chOff x="0" y="0"/>
+          <a:chExt cx="0" cy="0"/>
+        </a:xfrm>
+      </p:grpSpPr>
+      <p:sp>
+        <p:nvSpPr>
+          <p:cNvPr id="2" name="Образ слайда 1"/>
+          <p:cNvSpPr>
+            <a:spLocks noGrp="1" noRot="1" noChangeAspect="1"/>
+          </p:cNvSpPr>
+          <p:nvPr>
+            <p:ph type="sldImg"/>
+          </p:nvPr>
+        </p:nvSpPr>
+        <p:spPr/>
+      </p:sp>
+      <p:sp>
+        <p:nvSpPr>
+          <p:cNvPr id="3" name="Заметки 2"/>
+          <p:cNvSpPr>
+            <a:spLocks noGrp="1"/>
+          </p:cNvSpPr>
+          <p:nvPr>
+            <p:ph type="body" idx="1"/>
+          </p:nvPr>
+        </p:nvSpPr>
+        <p:spPr/>
+        <p:txBody>
+          <a:bodyPr>
+            <a:normAutofit/>
+          </a:bodyPr>
+          <a:lstStyle/>
+          <a:p>
+            <a:endParaRPr lang="ru-RU" dirty="0"/>
+          </a:p>
+        </p:txBody>
+      </p:sp>
+      <p:sp>
+        <p:nvSpPr>
+          <p:cNvPr id="4" name="Номер слайда 3"/>
+          <p:cNvSpPr>
+            <a:spLocks noGrp="1"/>
+          </p:cNvSpPr>
+          <p:nvPr>
+            <p:ph type="sldNum" sz="quarter" idx="10"/>
+          </p:nvPr>
+        </p:nvSpPr>
+        <p:spPr/>
+        <p:txBody>
+          <a:bodyPr/>
+          <a:lstStyle/>
+          <a:p>
+            <a:fld id="{B68A1F21-9545-4648-A06E-786C94DFC7C4}" type="slidenum">
+              <a:rPr lang="ru-RU" smtClean="0"/>
+              <a:pPr/>
+              <a:t>8</a:t>
+            </a:fld>
+            <a:endParaRPr lang="ru-RU"/>
+          </a:p>
+        </p:txBody>
+      </p:sp>
+    </p:spTree>
+  </p:cSld>
+  <p:clrMapOvr>
+    <a:masterClrMapping/>
+  </p:clrMapOvr>
+</p:notes>
+</file>
+
+<file path=ppt/notesSlides/notesSlide8.xml><?xml version="1.0" encoding="utf-8"?>
+<p:notes xmlns:a="http://schemas.openxmlformats.org/drawingml/2006/main" xmlns:r="http://schemas.openxmlformats.org/officeDocument/2006/relationships" xmlns:p="http://schemas.openxmlformats.org/presentationml/2006/main">
+  <p:cSld>
+    <p:spTree>
+      <p:nvGrpSpPr>
+        <p:cNvPr id="1" name=""/>
+        <p:cNvGrpSpPr/>
+        <p:nvPr/>
+      </p:nvGrpSpPr>
+      <p:grpSpPr>
+        <a:xfrm>
+          <a:off x="0" y="0"/>
+          <a:ext cx="0" cy="0"/>
+          <a:chOff x="0" y="0"/>
+          <a:chExt cx="0" cy="0"/>
+        </a:xfrm>
+      </p:grpSpPr>
+      <p:sp>
+        <p:nvSpPr>
+          <p:cNvPr id="2" name="Образ слайда 1"/>
+          <p:cNvSpPr>
+            <a:spLocks noGrp="1" noRot="1" noChangeAspect="1"/>
+          </p:cNvSpPr>
+          <p:nvPr>
+            <p:ph type="sldImg"/>
+          </p:nvPr>
+        </p:nvSpPr>
+        <p:spPr/>
+      </p:sp>
+      <p:sp>
+        <p:nvSpPr>
+          <p:cNvPr id="3" name="Заметки 2"/>
+          <p:cNvSpPr>
+            <a:spLocks noGrp="1"/>
+          </p:cNvSpPr>
+          <p:nvPr>
+            <p:ph type="body" idx="1"/>
+          </p:nvPr>
+        </p:nvSpPr>
+        <p:spPr/>
+        <p:txBody>
+          <a:bodyPr>
+            <a:normAutofit/>
+          </a:bodyPr>
+          <a:lstStyle/>
+          <a:p>
+            <a:pPr marL="0" marR="0" indent="0" algn="l" defTabSz="914400" rtl="0" eaLnBrk="1" fontAlgn="auto" latinLnBrk="0" hangingPunct="1">
+              <a:lnSpc>
+                <a:spcPct val="100000"/>
+              </a:lnSpc>
+              <a:spcBef>
+                <a:spcPts val="0"/>
+              </a:spcBef>
+              <a:spcAft>
+                <a:spcPts val="0"/>
+              </a:spcAft>
+              <a:buClrTx/>
+              <a:buSzTx/>
+              <a:buFontTx/>
+              <a:buNone/>
+              <a:tabLst/>
+              <a:defRPr/>
+            </a:pPr>
+            <a:endParaRPr lang="ru-RU" dirty="0"/>
+          </a:p>
+        </p:txBody>
+      </p:sp>
+      <p:sp>
+        <p:nvSpPr>
+          <p:cNvPr id="4" name="Номер слайда 3"/>
+          <p:cNvSpPr>
+            <a:spLocks noGrp="1"/>
+          </p:cNvSpPr>
+          <p:nvPr>
+            <p:ph type="sldNum" sz="quarter" idx="10"/>
+          </p:nvPr>
+        </p:nvSpPr>
+        <p:spPr/>
+        <p:txBody>
+          <a:bodyPr/>
+          <a:lstStyle/>
+          <a:p>
+            <a:fld id="{B68A1F21-9545-4648-A06E-786C94DFC7C4}" type="slidenum">
+              <a:rPr lang="ru-RU" smtClean="0"/>
+              <a:pPr/>
+              <a:t>9</a:t>
+            </a:fld>
+            <a:endParaRPr lang="ru-RU"/>
+          </a:p>
+        </p:txBody>
+      </p:sp>
+    </p:spTree>
+  </p:cSld>
+  <p:clrMapOvr>
+    <a:masterClrMapping/>
+  </p:clrMapOvr>
+</p:notes>
+</file>
+
+<file path=ppt/notesSlides/notesSlide9.xml><?xml version="1.0" encoding="utf-8"?>
+<p:notes xmlns:a="http://schemas.openxmlformats.org/drawingml/2006/main" xmlns:r="http://schemas.openxmlformats.org/officeDocument/2006/relationships" xmlns:p="http://schemas.openxmlformats.org/presentationml/2006/main">
+  <p:cSld>
+    <p:spTree>
+      <p:nvGrpSpPr>
+        <p:cNvPr id="1" name=""/>
+        <p:cNvGrpSpPr/>
+        <p:nvPr/>
+      </p:nvGrpSpPr>
+      <p:grpSpPr>
+        <a:xfrm>
+          <a:off x="0" y="0"/>
+          <a:ext cx="0" cy="0"/>
+          <a:chOff x="0" y="0"/>
+          <a:chExt cx="0" cy="0"/>
+        </a:xfrm>
+      </p:grpSpPr>
+      <p:sp>
+        <p:nvSpPr>
+          <p:cNvPr id="2" name="Образ слайда 1"/>
+          <p:cNvSpPr>
+            <a:spLocks noGrp="1" noRot="1" noChangeAspect="1"/>
+          </p:cNvSpPr>
+          <p:nvPr>
+            <p:ph type="sldImg"/>
+          </p:nvPr>
+        </p:nvSpPr>
+        <p:spPr/>
+      </p:sp>
+      <p:sp>
+        <p:nvSpPr>
+          <p:cNvPr id="3" name="Заметки 2"/>
+          <p:cNvSpPr>
+            <a:spLocks noGrp="1"/>
+          </p:cNvSpPr>
+          <p:nvPr>
+            <p:ph type="body" idx="1"/>
+          </p:nvPr>
+        </p:nvSpPr>
+        <p:spPr/>
+        <p:txBody>
+          <a:bodyPr>
+            <a:normAutofit/>
+          </a:bodyPr>
+          <a:lstStyle/>
+          <a:p>
+            <a:endParaRPr lang="ru-RU" dirty="0"/>
+          </a:p>
+        </p:txBody>
+      </p:sp>
+      <p:sp>
+        <p:nvSpPr>
+          <p:cNvPr id="4" name="Номер слайда 3"/>
+          <p:cNvSpPr>
+            <a:spLocks noGrp="1"/>
+          </p:cNvSpPr>
+          <p:nvPr>
+            <p:ph type="sldNum" sz="quarter" idx="10"/>
+          </p:nvPr>
+        </p:nvSpPr>
+        <p:spPr/>
+        <p:txBody>
+          <a:bodyPr/>
+          <a:lstStyle/>
+          <a:p>
+            <a:fld id="{B68A1F21-9545-4648-A06E-786C94DFC7C4}" type="slidenum">
+              <a:rPr lang="ru-RU" smtClean="0"/>
+              <a:pPr/>
+              <a:t>10</a:t>
+            </a:fld>
+            <a:endParaRPr lang="ru-RU"/>
+          </a:p>
+        </p:txBody>
+      </p:sp>
+    </p:spTree>
+  </p:cSld>
+  <p:clrMapOvr>
+    <a:masterClrMapping/>
+  </p:clrMapOvr>
+</p:notes>
+</file>
+
 <file path=ppt/slideLayouts/slideLayout1.xml><?xml version="1.0" encoding="utf-8"?>
 <p:sldLayout xmlns:a="http://schemas.openxmlformats.org/drawingml/2006/main" xmlns:r="http://schemas.openxmlformats.org/officeDocument/2006/relationships" xmlns:p="http://schemas.openxmlformats.org/presentationml/2006/main" preserve="1" userDrawn="1">
   <p:cSld name="TITLE-SLIDE-DARK-1">
@@ -9969,7 +12818,7 @@
           <p:cNvPicPr>
             <a:picLocks noChangeAspect="1"/>
           </p:cNvPicPr>
-          <p:nvPr userDrawn="1"/>
+          <p:nvPr/>
         </p:nvPicPr>
         <p:blipFill>
           <a:blip r:embed="rId16"/>
@@ -10448,7 +13297,7 @@
           <p:cNvPicPr>
             <a:picLocks noChangeAspect="1"/>
           </p:cNvPicPr>
-          <p:nvPr userDrawn="1"/>
+          <p:nvPr/>
         </p:nvPicPr>
         <p:blipFill>
           <a:blip r:embed="rId16"/>
@@ -10910,14 +13759,14 @@
       </p:sp>
       <p:pic>
         <p:nvPicPr>
-          <p:cNvPr id="57346" name="Picture 2"/>
+          <p:cNvPr id="6146" name="Picture 2"/>
           <p:cNvPicPr>
             <a:picLocks noChangeAspect="1" noChangeArrowheads="1"/>
           </p:cNvPicPr>
           <p:nvPr/>
         </p:nvPicPr>
         <p:blipFill>
-          <a:blip r:embed="rId2"/>
+          <a:blip r:embed="rId3"/>
           <a:srcRect/>
           <a:stretch>
             <a:fillRect/>
@@ -10925,8 +13774,8 @@
         </p:blipFill>
         <p:spPr bwMode="auto">
           <a:xfrm>
-            <a:off x="682398" y="1620734"/>
-            <a:ext cx="5455764" cy="3145230"/>
+            <a:off x="782149" y="1595070"/>
+            <a:ext cx="6793865" cy="3275868"/>
           </a:xfrm>
           <a:prstGeom prst="rect">
             <a:avLst/>
@@ -11160,11 +14009,7 @@
             </a:r>
             <a:r>
               <a:rPr lang="en-US" dirty="0" smtClean="0"/>
-              <a:t> will just be that string. This is useful for many of the built-in HTML elements. For example</a:t>
-            </a:r>
-            <a:r>
-              <a:rPr lang="en-US" dirty="0" smtClean="0"/>
-              <a:t>:</a:t>
+              <a:t> will just be that string. This is useful for many of the built-in HTML elements. For example:</a:t>
             </a:r>
           </a:p>
           <a:p>
@@ -11197,11 +14042,7 @@
             </a:r>
             <a:r>
               <a:rPr lang="en-US" dirty="0" smtClean="0"/>
-              <a:t>, so you can generally write JSX just like you would write HTML in this way</a:t>
-            </a:r>
-            <a:r>
-              <a:rPr lang="en-US" dirty="0" smtClean="0"/>
-              <a:t>:</a:t>
+              <a:t>, so you can generally write JSX just like you would write HTML in this way:</a:t>
             </a:r>
           </a:p>
           <a:p>
@@ -11215,39 +14056,6 @@
       <p:pic>
         <p:nvPicPr>
           <p:cNvPr id="1026" name="Picture 2"/>
-          <p:cNvPicPr>
-            <a:picLocks noChangeAspect="1" noChangeArrowheads="1"/>
-          </p:cNvPicPr>
-          <p:nvPr/>
-        </p:nvPicPr>
-        <p:blipFill>
-          <a:blip r:embed="rId2"/>
-          <a:srcRect/>
-          <a:stretch>
-            <a:fillRect/>
-          </a:stretch>
-        </p:blipFill>
-        <p:spPr bwMode="auto">
-          <a:xfrm>
-            <a:off x="680171" y="2783466"/>
-            <a:ext cx="3980203" cy="319952"/>
-          </a:xfrm>
-          <a:prstGeom prst="rect">
-            <a:avLst/>
-          </a:prstGeom>
-          <a:noFill/>
-          <a:ln w="9525">
-            <a:noFill/>
-            <a:miter lim="800000"/>
-            <a:headEnd/>
-            <a:tailEnd/>
-          </a:ln>
-          <a:effectLst/>
-        </p:spPr>
-      </p:pic>
-      <p:pic>
-        <p:nvPicPr>
-          <p:cNvPr id="1027" name="Picture 3"/>
           <p:cNvPicPr>
             <a:picLocks noChangeAspect="1" noChangeArrowheads="1"/>
           </p:cNvPicPr>
@@ -11262,8 +14070,41 @@
         </p:blipFill>
         <p:spPr bwMode="auto">
           <a:xfrm>
+            <a:off x="680171" y="2783465"/>
+            <a:ext cx="4967902" cy="399349"/>
+          </a:xfrm>
+          <a:prstGeom prst="rect">
+            <a:avLst/>
+          </a:prstGeom>
+          <a:noFill/>
+          <a:ln w="9525">
+            <a:noFill/>
+            <a:miter lim="800000"/>
+            <a:headEnd/>
+            <a:tailEnd/>
+          </a:ln>
+          <a:effectLst/>
+        </p:spPr>
+      </p:pic>
+      <p:pic>
+        <p:nvPicPr>
+          <p:cNvPr id="1027" name="Picture 3"/>
+          <p:cNvPicPr>
+            <a:picLocks noChangeAspect="1" noChangeArrowheads="1"/>
+          </p:cNvPicPr>
+          <p:nvPr/>
+        </p:nvPicPr>
+        <p:blipFill>
+          <a:blip r:embed="rId4"/>
+          <a:srcRect/>
+          <a:stretch>
+            <a:fillRect/>
+          </a:stretch>
+        </p:blipFill>
+        <p:spPr bwMode="auto">
+          <a:xfrm>
             <a:off x="623023" y="4289281"/>
-            <a:ext cx="5543750" cy="282719"/>
+            <a:ext cx="7612624" cy="388227"/>
           </a:xfrm>
           <a:prstGeom prst="rect">
             <a:avLst/>
@@ -11346,11 +14187,7 @@
           <a:p>
             <a:r>
               <a:rPr lang="en-US" dirty="0" smtClean="0"/>
-              <a:t>JSX removes whitespace at the beginning and ending of a line. It also removes blank lines. New lines adjacent to tags are removed; new lines that occur in the middle of string literals are condensed into a single space. So these all render to the same thing</a:t>
-            </a:r>
-            <a:r>
-              <a:rPr lang="en-US" dirty="0" smtClean="0"/>
-              <a:t>:</a:t>
+              <a:t>JSX removes whitespace at the beginning and ending of a line. It also removes blank lines. New lines adjacent to tags are removed; new lines that occur in the middle of string literals are condensed into a single space. So these all render to the same thing:</a:t>
             </a:r>
           </a:p>
           <a:p>
@@ -11367,7 +14204,7 @@
           <p:nvPr/>
         </p:nvPicPr>
         <p:blipFill>
-          <a:blip r:embed="rId2"/>
+          <a:blip r:embed="rId3"/>
           <a:srcRect/>
           <a:stretch>
             <a:fillRect/>
@@ -11375,8 +14212,8 @@
         </p:blipFill>
         <p:spPr bwMode="auto">
           <a:xfrm>
-            <a:off x="685985" y="3154817"/>
-            <a:ext cx="2694524" cy="2233205"/>
+            <a:off x="685984" y="3154817"/>
+            <a:ext cx="3534323" cy="2929225"/>
           </a:xfrm>
           <a:prstGeom prst="rect">
             <a:avLst/>
@@ -11521,11 +14358,7 @@
           <a:p>
             <a:r>
               <a:rPr lang="en-US" dirty="0" smtClean="0"/>
-              <a:t>You can provide more JSX elements as the children. This is useful for displaying nested components</a:t>
-            </a:r>
-            <a:r>
-              <a:rPr lang="en-US" dirty="0" smtClean="0"/>
-              <a:t>:</a:t>
+              <a:t>You can provide more JSX elements as the children. This is useful for displaying nested components:</a:t>
             </a:r>
           </a:p>
           <a:p>
@@ -11546,39 +14379,6 @@
       <p:pic>
         <p:nvPicPr>
           <p:cNvPr id="3074" name="Picture 2"/>
-          <p:cNvPicPr>
-            <a:picLocks noChangeAspect="1" noChangeArrowheads="1"/>
-          </p:cNvPicPr>
-          <p:nvPr/>
-        </p:nvPicPr>
-        <p:blipFill>
-          <a:blip r:embed="rId2"/>
-          <a:srcRect/>
-          <a:stretch>
-            <a:fillRect/>
-          </a:stretch>
-        </p:blipFill>
-        <p:spPr bwMode="auto">
-          <a:xfrm>
-            <a:off x="612196" y="2461347"/>
-            <a:ext cx="2478562" cy="974580"/>
-          </a:xfrm>
-          <a:prstGeom prst="rect">
-            <a:avLst/>
-          </a:prstGeom>
-          <a:noFill/>
-          <a:ln w="9525">
-            <a:noFill/>
-            <a:miter lim="800000"/>
-            <a:headEnd/>
-            <a:tailEnd/>
-          </a:ln>
-          <a:effectLst/>
-        </p:spPr>
-      </p:pic>
-      <p:pic>
-        <p:nvPicPr>
-          <p:cNvPr id="3075" name="Picture 3"/>
           <p:cNvPicPr>
             <a:picLocks noChangeAspect="1" noChangeArrowheads="1"/>
           </p:cNvPicPr>
@@ -11593,8 +14393,41 @@
         </p:blipFill>
         <p:spPr bwMode="auto">
           <a:xfrm>
-            <a:off x="621721" y="4411374"/>
-            <a:ext cx="2639455" cy="1532226"/>
+            <a:off x="629780" y="2373423"/>
+            <a:ext cx="2693711" cy="1059177"/>
+          </a:xfrm>
+          <a:prstGeom prst="rect">
+            <a:avLst/>
+          </a:prstGeom>
+          <a:noFill/>
+          <a:ln w="9525">
+            <a:noFill/>
+            <a:miter lim="800000"/>
+            <a:headEnd/>
+            <a:tailEnd/>
+          </a:ln>
+          <a:effectLst/>
+        </p:spPr>
+      </p:pic>
+      <p:pic>
+        <p:nvPicPr>
+          <p:cNvPr id="3075" name="Picture 3"/>
+          <p:cNvPicPr>
+            <a:picLocks noChangeAspect="1" noChangeArrowheads="1"/>
+          </p:cNvPicPr>
+          <p:nvPr/>
+        </p:nvPicPr>
+        <p:blipFill>
+          <a:blip r:embed="rId4"/>
+          <a:srcRect/>
+          <a:stretch>
+            <a:fillRect/>
+          </a:stretch>
+        </p:blipFill>
+        <p:spPr bwMode="auto">
+          <a:xfrm>
+            <a:off x="621721" y="4411373"/>
+            <a:ext cx="3184706" cy="1848749"/>
           </a:xfrm>
           <a:prstGeom prst="rect">
             <a:avLst/>
@@ -11677,15 +14510,7 @@
           <a:p>
             <a:r>
               <a:rPr lang="en-US" dirty="0" smtClean="0"/>
-              <a:t>A React component can also </a:t>
-            </a:r>
-            <a:r>
-              <a:rPr lang="en-US" dirty="0" smtClean="0"/>
-              <a:t>return </a:t>
-            </a:r>
-            <a:r>
-              <a:rPr lang="en-US" dirty="0" smtClean="0"/>
-              <a:t>an array of elements:</a:t>
+              <a:t>A React component can also return an array of elements:</a:t>
             </a:r>
             <a:endParaRPr lang="ru-RU" dirty="0"/>
           </a:p>
@@ -11693,14 +14518,14 @@
       </p:sp>
       <p:pic>
         <p:nvPicPr>
-          <p:cNvPr id="4099" name="Picture 3"/>
+          <p:cNvPr id="7170" name="Picture 2"/>
           <p:cNvPicPr>
             <a:picLocks noChangeAspect="1" noChangeArrowheads="1"/>
           </p:cNvPicPr>
           <p:nvPr/>
         </p:nvPicPr>
         <p:blipFill>
-          <a:blip r:embed="rId2"/>
+          <a:blip r:embed="rId3"/>
           <a:srcRect/>
           <a:stretch>
             <a:fillRect/>
@@ -11708,8 +14533,8 @@
         </p:blipFill>
         <p:spPr bwMode="auto">
           <a:xfrm>
-            <a:off x="652462" y="2624136"/>
-            <a:ext cx="5737561" cy="2058700"/>
+            <a:off x="690196" y="2592632"/>
+            <a:ext cx="4756606" cy="2084876"/>
           </a:xfrm>
           <a:prstGeom prst="rect">
             <a:avLst/>
@@ -11849,11 +14674,7 @@
           <a:p>
             <a:r>
               <a:rPr lang="en-US" dirty="0" smtClean="0"/>
-              <a:t>You can pass any JavaScript expression as children, by enclosing it within {}. For example, these expressions are equivalent</a:t>
-            </a:r>
-            <a:r>
-              <a:rPr lang="en-US" dirty="0" smtClean="0"/>
-              <a:t>:</a:t>
+              <a:t>You can pass any JavaScript expression as children, by enclosing it within {}. For example, these expressions are equivalent:</a:t>
             </a:r>
             <a:endParaRPr lang="uk-UA" dirty="0" smtClean="0"/>
           </a:p>
@@ -11872,39 +14693,6 @@
       <p:pic>
         <p:nvPicPr>
           <p:cNvPr id="5122" name="Picture 2"/>
-          <p:cNvPicPr>
-            <a:picLocks noChangeAspect="1" noChangeArrowheads="1"/>
-          </p:cNvPicPr>
-          <p:nvPr/>
-        </p:nvPicPr>
-        <p:blipFill>
-          <a:blip r:embed="rId2"/>
-          <a:srcRect/>
-          <a:stretch>
-            <a:fillRect/>
-          </a:stretch>
-        </p:blipFill>
-        <p:spPr bwMode="auto">
-          <a:xfrm>
-            <a:off x="703119" y="2466110"/>
-            <a:ext cx="3359340" cy="539894"/>
-          </a:xfrm>
-          <a:prstGeom prst="rect">
-            <a:avLst/>
-          </a:prstGeom>
-          <a:noFill/>
-          <a:ln w="9525">
-            <a:noFill/>
-            <a:miter lim="800000"/>
-            <a:headEnd/>
-            <a:tailEnd/>
-          </a:ln>
-          <a:effectLst/>
-        </p:spPr>
-      </p:pic>
-      <p:pic>
-        <p:nvPicPr>
-          <p:cNvPr id="5123" name="Picture 3"/>
           <p:cNvPicPr>
             <a:picLocks noChangeAspect="1" noChangeArrowheads="1"/>
           </p:cNvPicPr>
@@ -11919,8 +14707,41 @@
         </p:blipFill>
         <p:spPr bwMode="auto">
           <a:xfrm>
-            <a:off x="765030" y="3779694"/>
-            <a:ext cx="6744134" cy="2538583"/>
+            <a:off x="703118" y="2466110"/>
+            <a:ext cx="3693035" cy="539894"/>
+          </a:xfrm>
+          <a:prstGeom prst="rect">
+            <a:avLst/>
+          </a:prstGeom>
+          <a:noFill/>
+          <a:ln w="9525">
+            <a:noFill/>
+            <a:miter lim="800000"/>
+            <a:headEnd/>
+            <a:tailEnd/>
+          </a:ln>
+          <a:effectLst/>
+        </p:spPr>
+      </p:pic>
+      <p:pic>
+        <p:nvPicPr>
+          <p:cNvPr id="8194" name="Picture 2"/>
+          <p:cNvPicPr>
+            <a:picLocks noChangeAspect="1" noChangeArrowheads="1"/>
+          </p:cNvPicPr>
+          <p:nvPr/>
+        </p:nvPicPr>
+        <p:blipFill>
+          <a:blip r:embed="rId4"/>
+          <a:srcRect/>
+          <a:stretch>
+            <a:fillRect/>
+          </a:stretch>
+        </p:blipFill>
+        <p:spPr bwMode="auto">
+          <a:xfrm>
+            <a:off x="749543" y="3708523"/>
+            <a:ext cx="7546642" cy="2920877"/>
           </a:xfrm>
           <a:prstGeom prst="rect">
             <a:avLst/>
@@ -12010,11 +14831,7 @@
             </a:pPr>
             <a:r>
               <a:rPr lang="en-US" dirty="0" smtClean="0"/>
-              <a:t>Specifying The React Element </a:t>
-            </a:r>
-            <a:r>
-              <a:rPr lang="en-US" dirty="0" smtClean="0"/>
-              <a:t>Type</a:t>
+              <a:t>Specifying The React Element Type</a:t>
             </a:r>
           </a:p>
           <a:p>
@@ -12030,11 +14847,7 @@
             </a:pPr>
             <a:r>
               <a:rPr lang="en-US" dirty="0" smtClean="0"/>
-              <a:t>Children in </a:t>
-            </a:r>
-            <a:r>
-              <a:rPr lang="en-US" dirty="0" smtClean="0"/>
-              <a:t>JSX</a:t>
+              <a:t>Children in JSX</a:t>
             </a:r>
           </a:p>
           <a:p>
@@ -12050,11 +14863,7 @@
             </a:pPr>
             <a:r>
               <a:rPr lang="en-US" dirty="0" smtClean="0"/>
-              <a:t>JSX </a:t>
-            </a:r>
-            <a:r>
-              <a:rPr lang="en-US" dirty="0" smtClean="0"/>
-              <a:t>Children</a:t>
+              <a:t>JSX Children</a:t>
             </a:r>
           </a:p>
           <a:p>
@@ -12070,11 +14879,7 @@
             </a:pPr>
             <a:r>
               <a:rPr lang="en-US" dirty="0" smtClean="0"/>
-              <a:t>JavaScript Expressions as </a:t>
-            </a:r>
-            <a:r>
-              <a:rPr lang="en-US" dirty="0" smtClean="0"/>
-              <a:t>Children</a:t>
+              <a:t>JavaScript Expressions as Children</a:t>
             </a:r>
           </a:p>
           <a:p>
@@ -12090,11 +14895,7 @@
             </a:pPr>
             <a:r>
               <a:rPr lang="en-US" dirty="0" smtClean="0"/>
-              <a:t>Array as </a:t>
-            </a:r>
-            <a:r>
-              <a:rPr lang="en-US" dirty="0" smtClean="0"/>
-              <a:t>children</a:t>
+              <a:t>Array as children</a:t>
             </a:r>
           </a:p>
           <a:p>
@@ -12110,11 +14911,7 @@
             </a:pPr>
             <a:r>
               <a:rPr lang="en-US" dirty="0" smtClean="0"/>
-              <a:t>Functions as </a:t>
-            </a:r>
-            <a:r>
-              <a:rPr lang="en-US" dirty="0" smtClean="0"/>
-              <a:t>Children</a:t>
+              <a:t>Functions as Children</a:t>
             </a:r>
           </a:p>
           <a:p>
@@ -12249,11 +15046,7 @@
           <a:p>
             <a:r>
               <a:rPr lang="en-US" dirty="0" smtClean="0"/>
-              <a:t>JavaScript expressions can be mixed with other types of children. This is often useful in lieu of string templates</a:t>
-            </a:r>
-            <a:r>
-              <a:rPr lang="en-US" dirty="0" smtClean="0"/>
-              <a:t>:</a:t>
+              <a:t>JavaScript expressions can be mixed with other types of children. This is often useful in lieu of string templates:</a:t>
             </a:r>
             <a:endParaRPr lang="uk-UA" dirty="0" smtClean="0"/>
           </a:p>
@@ -12271,7 +15064,7 @@
           <p:nvPr/>
         </p:nvPicPr>
         <p:blipFill>
-          <a:blip r:embed="rId2"/>
+          <a:blip r:embed="rId3"/>
           <a:srcRect/>
           <a:stretch>
             <a:fillRect/>
@@ -12433,11 +15226,7 @@
           <a:p>
             <a:r>
               <a:rPr lang="en-US" dirty="0" smtClean="0"/>
-              <a:t>We use map() to create an array of React Elements for every value in the array</a:t>
-            </a:r>
-            <a:r>
-              <a:rPr lang="en-US" dirty="0" smtClean="0"/>
-              <a:t>.</a:t>
+              <a:t>We use map() to create an array of React Elements for every value in the array.</a:t>
             </a:r>
             <a:endParaRPr lang="uk-UA" dirty="0" smtClean="0"/>
           </a:p>
@@ -12464,39 +15253,6 @@
       <p:pic>
         <p:nvPicPr>
           <p:cNvPr id="58370" name="Picture 2"/>
-          <p:cNvPicPr>
-            <a:picLocks noChangeAspect="1" noChangeArrowheads="1"/>
-          </p:cNvPicPr>
-          <p:nvPr/>
-        </p:nvPicPr>
-        <p:blipFill>
-          <a:blip r:embed="rId2"/>
-          <a:srcRect/>
-          <a:stretch>
-            <a:fillRect/>
-          </a:stretch>
-        </p:blipFill>
-        <p:spPr bwMode="auto">
-          <a:xfrm>
-            <a:off x="722234" y="3191400"/>
-            <a:ext cx="3850851" cy="1283617"/>
-          </a:xfrm>
-          <a:prstGeom prst="rect">
-            <a:avLst/>
-          </a:prstGeom>
-          <a:noFill/>
-          <a:ln w="9525">
-            <a:noFill/>
-            <a:miter lim="800000"/>
-            <a:headEnd/>
-            <a:tailEnd/>
-          </a:ln>
-          <a:effectLst/>
-        </p:spPr>
-      </p:pic>
-      <p:pic>
-        <p:nvPicPr>
-          <p:cNvPr id="58371" name="Picture 3"/>
           <p:cNvPicPr>
             <a:picLocks noChangeAspect="1" noChangeArrowheads="1"/>
           </p:cNvPicPr>
@@ -12511,8 +15267,41 @@
         </p:blipFill>
         <p:spPr bwMode="auto">
           <a:xfrm>
-            <a:off x="710910" y="4889787"/>
-            <a:ext cx="4472581" cy="277957"/>
+            <a:off x="722234" y="3191400"/>
+            <a:ext cx="4194555" cy="1398185"/>
+          </a:xfrm>
+          <a:prstGeom prst="rect">
+            <a:avLst/>
+          </a:prstGeom>
+          <a:noFill/>
+          <a:ln w="9525">
+            <a:noFill/>
+            <a:miter lim="800000"/>
+            <a:headEnd/>
+            <a:tailEnd/>
+          </a:ln>
+          <a:effectLst/>
+        </p:spPr>
+      </p:pic>
+      <p:pic>
+        <p:nvPicPr>
+          <p:cNvPr id="58371" name="Picture 3"/>
+          <p:cNvPicPr>
+            <a:picLocks noChangeAspect="1" noChangeArrowheads="1"/>
+          </p:cNvPicPr>
+          <p:nvPr/>
+        </p:nvPicPr>
+        <p:blipFill>
+          <a:blip r:embed="rId4"/>
+          <a:srcRect/>
+          <a:stretch>
+            <a:fillRect/>
+          </a:stretch>
+        </p:blipFill>
+        <p:spPr bwMode="auto">
+          <a:xfrm>
+            <a:off x="710910" y="4889788"/>
+            <a:ext cx="5039259" cy="313174"/>
           </a:xfrm>
           <a:prstGeom prst="rect">
             <a:avLst/>
@@ -12603,11 +15392,7 @@
             </a:r>
             <a:r>
               <a:rPr lang="en-US" dirty="0" smtClean="0"/>
-              <a:t>, JSX Spread Attributes, and other components, for some serious terseness</a:t>
-            </a:r>
-            <a:r>
-              <a:rPr lang="en-US" dirty="0" smtClean="0"/>
-              <a:t>.</a:t>
+              <a:t>, JSX Spread Attributes, and other components, for some serious terseness.</a:t>
             </a:r>
             <a:endParaRPr lang="uk-UA" dirty="0" smtClean="0"/>
           </a:p>
@@ -12625,7 +15410,7 @@
           <p:nvPr/>
         </p:nvPicPr>
         <p:blipFill>
-          <a:blip r:embed="rId2"/>
+          <a:blip r:embed="rId3"/>
           <a:srcRect/>
           <a:stretch>
             <a:fillRect/>
@@ -12634,7 +15419,7 @@
         <p:spPr bwMode="auto">
           <a:xfrm>
             <a:off x="679305" y="2740601"/>
-            <a:ext cx="5736699" cy="1263363"/>
+            <a:ext cx="5893975" cy="1297999"/>
           </a:xfrm>
           <a:prstGeom prst="rect">
             <a:avLst/>
@@ -12777,11 +15562,7 @@
             </a:r>
             <a:r>
               <a:rPr lang="en-US" dirty="0" smtClean="0"/>
-              <a:t> works just like any other prop in that it can pass any sort of data, not just the sorts that React knows how to render</a:t>
-            </a:r>
-            <a:r>
-              <a:rPr lang="en-US" dirty="0" smtClean="0"/>
-              <a:t>.</a:t>
+              <a:t> works just like any other prop in that it can pass any sort of data, not just the sorts that React knows how to render.</a:t>
             </a:r>
             <a:endParaRPr lang="ru-RU" dirty="0"/>
           </a:p>
@@ -12812,16 +15593,112 @@
           <a:chExt cx="0" cy="0"/>
         </a:xfrm>
       </p:grpSpPr>
+      <p:sp>
+        <p:nvSpPr>
+          <p:cNvPr id="2" name="Заголовок 1"/>
+          <p:cNvSpPr>
+            <a:spLocks noGrp="1"/>
+          </p:cNvSpPr>
+          <p:nvPr>
+            <p:ph type="title"/>
+          </p:nvPr>
+        </p:nvSpPr>
+        <p:spPr/>
+        <p:txBody>
+          <a:bodyPr/>
+          <a:lstStyle/>
+          <a:p>
+            <a:r>
+              <a:rPr lang="en-US" b="1" dirty="0" smtClean="0"/>
+              <a:t>Functions as Children</a:t>
+            </a:r>
+            <a:br>
+              <a:rPr lang="en-US" b="1" dirty="0" smtClean="0"/>
+            </a:br>
+            <a:endParaRPr lang="ru-RU" dirty="0"/>
+          </a:p>
+        </p:txBody>
+      </p:sp>
+      <p:sp>
+        <p:nvSpPr>
+          <p:cNvPr id="3" name="Текст 2"/>
+          <p:cNvSpPr>
+            <a:spLocks noGrp="1"/>
+          </p:cNvSpPr>
+          <p:nvPr>
+            <p:ph type="body" sz="quarter" idx="10"/>
+          </p:nvPr>
+        </p:nvSpPr>
+        <p:spPr>
+          <a:xfrm>
+            <a:off x="678340" y="1318846"/>
+            <a:ext cx="10820400" cy="4666849"/>
+          </a:xfrm>
+        </p:spPr>
+        <p:txBody>
+          <a:bodyPr/>
+          <a:lstStyle/>
+          <a:p>
+            <a:r>
+              <a:rPr lang="en-US" dirty="0" smtClean="0"/>
+              <a:t>For example, if you have a custom component, you could have it take a callback as </a:t>
+            </a:r>
+            <a:r>
+              <a:rPr lang="en-US" dirty="0" err="1" smtClean="0"/>
+              <a:t>props.children</a:t>
+            </a:r>
+            <a:r>
+              <a:rPr lang="en-US" dirty="0" smtClean="0"/>
+              <a:t>:</a:t>
+            </a:r>
+            <a:r>
+              <a:rPr lang="uk-UA" dirty="0" smtClean="0"/>
+              <a:t> </a:t>
+            </a:r>
+          </a:p>
+          <a:p>
+            <a:endParaRPr lang="uk-UA" dirty="0" smtClean="0"/>
+          </a:p>
+          <a:p>
+            <a:endParaRPr lang="uk-UA" dirty="0" smtClean="0"/>
+          </a:p>
+          <a:p>
+            <a:endParaRPr lang="uk-UA" dirty="0" smtClean="0"/>
+          </a:p>
+          <a:p>
+            <a:endParaRPr lang="uk-UA" dirty="0" smtClean="0"/>
+          </a:p>
+          <a:p>
+            <a:endParaRPr lang="uk-UA" dirty="0" smtClean="0"/>
+          </a:p>
+          <a:p>
+            <a:endParaRPr lang="uk-UA" dirty="0" smtClean="0"/>
+          </a:p>
+          <a:p>
+            <a:endParaRPr lang="uk-UA" dirty="0" smtClean="0"/>
+          </a:p>
+          <a:p>
+            <a:r>
+              <a:rPr lang="en-US" dirty="0" smtClean="0"/>
+              <a:t/>
+            </a:r>
+            <a:br>
+              <a:rPr lang="en-US" dirty="0" smtClean="0"/>
+            </a:br>
+            <a:endParaRPr lang="ru-RU" dirty="0"/>
+          </a:p>
+        </p:txBody>
+      </p:sp>
       <p:pic>
         <p:nvPicPr>
-          <p:cNvPr id="7170" name="Picture 2"/>
+          <p:cNvPr id="9218" name="Picture 2"/>
           <p:cNvPicPr>
             <a:picLocks noChangeAspect="1" noChangeArrowheads="1"/>
           </p:cNvPicPr>
           <p:nvPr/>
         </p:nvPicPr>
         <p:blipFill>
-          <a:blip r:embed="rId2"/>
+          <a:blip r:embed="rId3"/>
           <a:srcRect/>
           <a:stretch>
             <a:fillRect/>
@@ -12829,8 +15706,8 @@
         </p:blipFill>
         <p:spPr bwMode="auto">
           <a:xfrm>
-            <a:off x="703551" y="2068224"/>
-            <a:ext cx="6528522" cy="3207175"/>
+            <a:off x="694472" y="2012706"/>
+            <a:ext cx="7342905" cy="3194294"/>
           </a:xfrm>
           <a:prstGeom prst="rect">
             <a:avLst/>
@@ -12847,103 +15724,38 @@
       </p:pic>
       <p:sp>
         <p:nvSpPr>
-          <p:cNvPr id="2" name="Заголовок 1"/>
-          <p:cNvSpPr>
-            <a:spLocks noGrp="1"/>
-          </p:cNvSpPr>
-          <p:nvPr>
-            <p:ph type="title"/>
-          </p:nvPr>
-        </p:nvSpPr>
-        <p:spPr/>
-        <p:txBody>
-          <a:bodyPr/>
+          <p:cNvPr id="6" name="Прямоугольник 5"/>
+          <p:cNvSpPr/>
+          <p:nvPr/>
+        </p:nvSpPr>
+        <p:spPr>
+          <a:xfrm>
+            <a:off x="647700" y="5203736"/>
+            <a:ext cx="10528300" cy="1015663"/>
+          </a:xfrm>
+          <a:prstGeom prst="rect">
+            <a:avLst/>
+          </a:prstGeom>
+        </p:spPr>
+        <p:txBody>
+          <a:bodyPr wrap="square">
+            <a:spAutoFit/>
+          </a:bodyPr>
           <a:lstStyle/>
           <a:p>
             <a:r>
-              <a:rPr lang="en-US" b="1" dirty="0" smtClean="0"/>
-              <a:t>Functions as Children</a:t>
-            </a:r>
-            <a:br>
-              <a:rPr lang="en-US" b="1" dirty="0" smtClean="0"/>
-            </a:br>
-            <a:endParaRPr lang="ru-RU" dirty="0"/>
-          </a:p>
-        </p:txBody>
-      </p:sp>
-      <p:sp>
-        <p:nvSpPr>
-          <p:cNvPr id="3" name="Текст 2"/>
-          <p:cNvSpPr>
-            <a:spLocks noGrp="1"/>
-          </p:cNvSpPr>
-          <p:nvPr>
-            <p:ph type="body" sz="quarter" idx="10"/>
-          </p:nvPr>
-        </p:nvSpPr>
-        <p:spPr>
-          <a:xfrm>
-            <a:off x="713509" y="1364673"/>
-            <a:ext cx="10820400" cy="4814454"/>
-          </a:xfrm>
-        </p:spPr>
-        <p:txBody>
-          <a:bodyPr/>
-          <a:lstStyle/>
-          <a:p>
-            <a:r>
-              <a:rPr lang="en-US" dirty="0" smtClean="0"/>
-              <a:t>For example, if you have a custom component, you could have it take a callback as </a:t>
-            </a:r>
-            <a:r>
-              <a:rPr lang="en-US" dirty="0" err="1" smtClean="0"/>
-              <a:t>props.children</a:t>
-            </a:r>
-            <a:r>
-              <a:rPr lang="en-US" dirty="0" smtClean="0"/>
-              <a:t>:</a:t>
-            </a:r>
-            <a:r>
-              <a:rPr lang="uk-UA" dirty="0" smtClean="0"/>
-              <a:t> </a:t>
-            </a:r>
-          </a:p>
-          <a:p>
-            <a:endParaRPr lang="uk-UA" dirty="0" smtClean="0"/>
-          </a:p>
-          <a:p>
-            <a:endParaRPr lang="uk-UA" dirty="0" smtClean="0"/>
-          </a:p>
-          <a:p>
-            <a:endParaRPr lang="uk-UA" dirty="0" smtClean="0"/>
-          </a:p>
-          <a:p>
-            <a:endParaRPr lang="uk-UA" dirty="0" smtClean="0"/>
-          </a:p>
-          <a:p>
-            <a:endParaRPr lang="uk-UA" dirty="0" smtClean="0"/>
-          </a:p>
-          <a:p>
-            <a:endParaRPr lang="uk-UA" dirty="0" smtClean="0"/>
-          </a:p>
-          <a:p>
-            <a:endParaRPr lang="uk-UA" dirty="0" smtClean="0"/>
-          </a:p>
-          <a:p>
-            <a:r>
-              <a:rPr lang="en-US" dirty="0" smtClean="0"/>
+              <a:rPr lang="en-US" sz="2000" dirty="0" smtClean="0">
+                <a:latin typeface="Open Sans" charset="0"/>
+                <a:ea typeface="Open Sans" charset="0"/>
+                <a:cs typeface="Open Sans" charset="0"/>
+              </a:rPr>
               <a:t>Children passed to a custom component can be anything, as long as that component transforms them into something React can understand before rendering. This usage is not common, but it works if you want to stretch what JSX is capable of.</a:t>
             </a:r>
-          </a:p>
-          <a:p>
-            <a:r>
-              <a:rPr lang="en-US" dirty="0" smtClean="0"/>
-              <a:t/>
-            </a:r>
-            <a:br>
-              <a:rPr lang="en-US" dirty="0" smtClean="0"/>
-            </a:br>
-            <a:endParaRPr lang="ru-RU" dirty="0"/>
+            <a:endParaRPr lang="en-US" sz="2000" dirty="0" smtClean="0">
+              <a:latin typeface="Open Sans" charset="0"/>
+              <a:ea typeface="Open Sans" charset="0"/>
+              <a:cs typeface="Open Sans" charset="0"/>
+            </a:endParaRPr>
           </a:p>
         </p:txBody>
       </p:sp>
@@ -12990,15 +15802,7 @@
             <a:pPr algn="ctr"/>
             <a:r>
               <a:rPr lang="en-US" b="1" dirty="0" smtClean="0"/>
-              <a:t>Booleans, Null, and </a:t>
-            </a:r>
-            <a:r>
-              <a:rPr lang="en-US" b="1" dirty="0" smtClean="0"/>
-              <a:t>Undefined</a:t>
-            </a:r>
-            <a:r>
-              <a:rPr lang="en-US" b="1" dirty="0" smtClean="0"/>
-              <a:t/>
+              <a:t>Booleans, Null, and Undefined</a:t>
             </a:r>
             <a:br>
               <a:rPr lang="en-US" b="1" dirty="0" smtClean="0"/>
@@ -13139,11 +15943,7 @@
             </a:r>
             <a:r>
               <a:rPr lang="en-US" dirty="0" smtClean="0"/>
-              <a:t> are valid children. They simply don’t render. These JSX expressions will all render to the same thing</a:t>
-            </a:r>
-            <a:r>
-              <a:rPr lang="en-US" dirty="0" smtClean="0"/>
-              <a:t>:</a:t>
+              <a:t> are valid children. They simply don’t render. These JSX expressions will all render to the same thing:</a:t>
             </a:r>
             <a:endParaRPr lang="uk-UA" dirty="0" smtClean="0"/>
           </a:p>
@@ -13173,7 +15973,7 @@
           <p:nvPr/>
         </p:nvPicPr>
         <p:blipFill>
-          <a:blip r:embed="rId2"/>
+          <a:blip r:embed="rId3"/>
           <a:srcRect/>
           <a:stretch>
             <a:fillRect/>
@@ -13181,8 +15981,8 @@
         </p:blipFill>
         <p:spPr bwMode="auto">
           <a:xfrm>
-            <a:off x="683636" y="2747097"/>
-            <a:ext cx="2461346" cy="2350972"/>
+            <a:off x="683635" y="2747097"/>
+            <a:ext cx="3070421" cy="2932734"/>
           </a:xfrm>
           <a:prstGeom prst="rect">
             <a:avLst/>
@@ -13276,19 +16076,7 @@
           <a:p>
             <a:r>
               <a:rPr lang="en-US" dirty="0" smtClean="0"/>
-              <a:t>This </a:t>
-            </a:r>
-            <a:r>
-              <a:rPr lang="en-US" dirty="0" smtClean="0"/>
-              <a:t>JSX only renders </a:t>
-            </a:r>
-            <a:r>
-              <a:rPr lang="en-US" dirty="0" smtClean="0"/>
-              <a:t>a</a:t>
-            </a:r>
-            <a:r>
-              <a:rPr lang="en-US" dirty="0" smtClean="0"/>
-              <a:t> &lt;Header /&gt;if </a:t>
+              <a:t>This JSX only renders a &lt;Header /&gt;if </a:t>
             </a:r>
             <a:r>
               <a:rPr lang="en-US" dirty="0" err="1" smtClean="0"/>
@@ -13296,11 +16084,7 @@
             </a:r>
             <a:r>
               <a:rPr lang="en-US" dirty="0" smtClean="0"/>
-              <a:t> is true</a:t>
-            </a:r>
-            <a:r>
-              <a:rPr lang="en-US" dirty="0" smtClean="0"/>
-              <a:t>:</a:t>
+              <a:t> is true:</a:t>
             </a:r>
             <a:endParaRPr lang="uk-UA" dirty="0" smtClean="0"/>
           </a:p>
@@ -13344,39 +16128,6 @@
       <p:pic>
         <p:nvPicPr>
           <p:cNvPr id="9218" name="Picture 2"/>
-          <p:cNvPicPr>
-            <a:picLocks noChangeAspect="1" noChangeArrowheads="1"/>
-          </p:cNvPicPr>
-          <p:nvPr/>
-        </p:nvPicPr>
-        <p:blipFill>
-          <a:blip r:embed="rId2"/>
-          <a:srcRect/>
-          <a:stretch>
-            <a:fillRect/>
-          </a:stretch>
-        </p:blipFill>
-        <p:spPr bwMode="auto">
-          <a:xfrm>
-            <a:off x="766763" y="2840182"/>
-            <a:ext cx="3068053" cy="914400"/>
-          </a:xfrm>
-          <a:prstGeom prst="rect">
-            <a:avLst/>
-          </a:prstGeom>
-          <a:noFill/>
-          <a:ln w="9525">
-            <a:noFill/>
-            <a:miter lim="800000"/>
-            <a:headEnd/>
-            <a:tailEnd/>
-          </a:ln>
-          <a:effectLst/>
-        </p:spPr>
-      </p:pic>
-      <p:pic>
-        <p:nvPicPr>
-          <p:cNvPr id="9219" name="Picture 3"/>
           <p:cNvPicPr>
             <a:picLocks noChangeAspect="1" noChangeArrowheads="1"/>
           </p:cNvPicPr>
@@ -13391,8 +16142,41 @@
         </p:blipFill>
         <p:spPr bwMode="auto">
           <a:xfrm>
-            <a:off x="761999" y="4837402"/>
-            <a:ext cx="3964799" cy="1050780"/>
+            <a:off x="766763" y="2840181"/>
+            <a:ext cx="3330452" cy="992605"/>
+          </a:xfrm>
+          <a:prstGeom prst="rect">
+            <a:avLst/>
+          </a:prstGeom>
+          <a:noFill/>
+          <a:ln w="9525">
+            <a:noFill/>
+            <a:miter lim="800000"/>
+            <a:headEnd/>
+            <a:tailEnd/>
+          </a:ln>
+          <a:effectLst/>
+        </p:spPr>
+      </p:pic>
+      <p:pic>
+        <p:nvPicPr>
+          <p:cNvPr id="9219" name="Picture 3"/>
+          <p:cNvPicPr>
+            <a:picLocks noChangeAspect="1" noChangeArrowheads="1"/>
+          </p:cNvPicPr>
+          <p:nvPr/>
+        </p:nvPicPr>
+        <p:blipFill>
+          <a:blip r:embed="rId4"/>
+          <a:srcRect/>
+          <a:stretch>
+            <a:fillRect/>
+          </a:stretch>
+        </p:blipFill>
+        <p:spPr bwMode="auto">
+          <a:xfrm>
+            <a:off x="761999" y="4837401"/>
+            <a:ext cx="4970103" cy="1317213"/>
           </a:xfrm>
           <a:prstGeom prst="rect">
             <a:avLst/>
@@ -13560,11 +16344,7 @@
           <a:p>
             <a:r>
               <a:rPr lang="en-US" dirty="0" smtClean="0"/>
-              <a:t>Conversely, if you want a value like false, true, null, or undefined to appear in the output, you have to  convert it to a string  first</a:t>
-            </a:r>
-            <a:r>
-              <a:rPr lang="en-US" dirty="0" smtClean="0"/>
-              <a:t>:</a:t>
+              <a:t>Conversely, if you want a value like false, true, null, or undefined to appear in the output, you have to  convert it to a string  first:</a:t>
             </a:r>
             <a:endParaRPr lang="uk-UA" dirty="0" smtClean="0"/>
           </a:p>
@@ -13579,39 +16359,6 @@
       <p:pic>
         <p:nvPicPr>
           <p:cNvPr id="10242" name="Picture 2"/>
-          <p:cNvPicPr>
-            <a:picLocks noChangeAspect="1" noChangeArrowheads="1"/>
-          </p:cNvPicPr>
-          <p:nvPr/>
-        </p:nvPicPr>
-        <p:blipFill>
-          <a:blip r:embed="rId2"/>
-          <a:srcRect/>
-          <a:stretch>
-            <a:fillRect/>
-          </a:stretch>
-        </p:blipFill>
-        <p:spPr bwMode="auto">
-          <a:xfrm>
-            <a:off x="682336" y="2523258"/>
-            <a:ext cx="4183384" cy="1162051"/>
-          </a:xfrm>
-          <a:prstGeom prst="rect">
-            <a:avLst/>
-          </a:prstGeom>
-          <a:noFill/>
-          <a:ln w="9525">
-            <a:noFill/>
-            <a:miter lim="800000"/>
-            <a:headEnd/>
-            <a:tailEnd/>
-          </a:ln>
-          <a:effectLst/>
-        </p:spPr>
-      </p:pic>
-      <p:pic>
-        <p:nvPicPr>
-          <p:cNvPr id="10244" name="Picture 4"/>
           <p:cNvPicPr>
             <a:picLocks noChangeAspect="1" noChangeArrowheads="1"/>
           </p:cNvPicPr>
@@ -13626,8 +16373,41 @@
         </p:blipFill>
         <p:spPr bwMode="auto">
           <a:xfrm>
-            <a:off x="685799" y="4619625"/>
-            <a:ext cx="5156855" cy="742084"/>
+            <a:off x="682336" y="2523258"/>
+            <a:ext cx="4906592" cy="1362942"/>
+          </a:xfrm>
+          <a:prstGeom prst="rect">
+            <a:avLst/>
+          </a:prstGeom>
+          <a:noFill/>
+          <a:ln w="9525">
+            <a:noFill/>
+            <a:miter lim="800000"/>
+            <a:headEnd/>
+            <a:tailEnd/>
+          </a:ln>
+          <a:effectLst/>
+        </p:spPr>
+      </p:pic>
+      <p:pic>
+        <p:nvPicPr>
+          <p:cNvPr id="10244" name="Picture 4"/>
+          <p:cNvPicPr>
+            <a:picLocks noChangeAspect="1" noChangeArrowheads="1"/>
+          </p:cNvPicPr>
+          <p:nvPr/>
+        </p:nvPicPr>
+        <p:blipFill>
+          <a:blip r:embed="rId4"/>
+          <a:srcRect/>
+          <a:stretch>
+            <a:fillRect/>
+          </a:stretch>
+        </p:blipFill>
+        <p:spPr bwMode="auto">
+          <a:xfrm>
+            <a:off x="685799" y="4619624"/>
+            <a:ext cx="5890847" cy="847707"/>
           </a:xfrm>
           <a:prstGeom prst="rect">
             <a:avLst/>
@@ -13727,13 +16507,7 @@
               <a:rPr lang="en-US" dirty="0" smtClean="0">
                 <a:hlinkClick r:id="rId2"/>
               </a:rPr>
-              <a:t>https://</a:t>
-            </a:r>
-            <a:r>
-              <a:rPr lang="en-US" dirty="0" smtClean="0">
-                <a:hlinkClick r:id="rId2"/>
-              </a:rPr>
-              <a:t>reactjs.org/docs/jsx-in-depth.html#children-in-jsx</a:t>
+              <a:t>https://reactjs.org/docs/jsx-in-depth.html#children-in-jsx</a:t>
             </a:r>
             <a:endParaRPr lang="en-US" dirty="0" smtClean="0"/>
           </a:p>
@@ -13752,13 +16526,7 @@
               <a:rPr lang="en-US" dirty="0" smtClean="0">
                 <a:hlinkClick r:id="rId3"/>
               </a:rPr>
-              <a:t>https://</a:t>
-            </a:r>
-            <a:r>
-              <a:rPr lang="en-US" dirty="0" smtClean="0">
-                <a:hlinkClick r:id="rId3"/>
-              </a:rPr>
-              <a:t>codedaily.io/tutorials/6/Using-Functions-as-Children-and-Render-Props-in-React-Components</a:t>
+              <a:t>https://codedaily.io/tutorials/6/Using-Functions-as-Children-and-Render-Props-in-React-Components</a:t>
             </a:r>
             <a:endParaRPr lang="en-US" dirty="0" smtClean="0"/>
           </a:p>
@@ -13777,13 +16545,7 @@
               <a:rPr lang="en-US" dirty="0" smtClean="0">
                 <a:hlinkClick r:id="rId4"/>
               </a:rPr>
-              <a:t>https://</a:t>
-            </a:r>
-            <a:r>
-              <a:rPr lang="en-US" dirty="0" smtClean="0">
-                <a:hlinkClick r:id="rId4"/>
-              </a:rPr>
-              <a:t>medium.com/merrickchristensen/function-as-child-components-5f3920a9ace9</a:t>
+              <a:t>https://medium.com/merrickchristensen/function-as-child-components-5f3920a9ace9</a:t>
             </a:r>
             <a:endParaRPr lang="en-US" dirty="0" smtClean="0"/>
           </a:p>
@@ -13802,13 +16564,7 @@
               <a:rPr lang="en-US" dirty="0" smtClean="0">
                 <a:hlinkClick r:id="rId5"/>
               </a:rPr>
-              <a:t>https://mxstbr.blog/2017/02/react-children-deepdive</a:t>
-            </a:r>
-            <a:r>
-              <a:rPr lang="en-US" dirty="0" smtClean="0">
-                <a:hlinkClick r:id="rId5"/>
-              </a:rPr>
-              <a:t>/</a:t>
+              <a:t>https://mxstbr.blog/2017/02/react-children-deepdive/</a:t>
             </a:r>
             <a:endParaRPr lang="en-US" dirty="0" smtClean="0"/>
           </a:p>
@@ -13968,11 +16724,7 @@
           <a:p>
             <a:r>
               <a:rPr lang="en-US" dirty="0" smtClean="0"/>
-              <a:t>These </a:t>
-            </a:r>
-            <a:r>
-              <a:rPr lang="en-US" dirty="0" smtClean="0"/>
-              <a:t>tags get compiled into a direct reference to the named variable, so if you use the JSX &lt;</a:t>
+              <a:t>These tags get compiled into a direct reference to the named variable, so if you use the JSX &lt;</a:t>
             </a:r>
             <a:r>
               <a:rPr lang="en-US" dirty="0" err="1" smtClean="0"/>
@@ -13980,7 +16732,23 @@
             </a:r>
             <a:r>
               <a:rPr lang="en-US" dirty="0" smtClean="0"/>
-              <a:t> /&gt;expression, </a:t>
+              <a:t> </a:t>
+            </a:r>
+            <a:r>
+              <a:rPr lang="en-US" dirty="0" smtClean="0"/>
+              <a:t>/&gt;</a:t>
+            </a:r>
+            <a:r>
+              <a:rPr lang="uk-UA" dirty="0" smtClean="0"/>
+              <a:t> </a:t>
+            </a:r>
+            <a:r>
+              <a:rPr lang="en-US" dirty="0" smtClean="0"/>
+              <a:t>expression</a:t>
+            </a:r>
+            <a:r>
+              <a:rPr lang="en-US" dirty="0" smtClean="0"/>
+              <a:t>, </a:t>
             </a:r>
             <a:r>
               <a:rPr lang="en-US" dirty="0" err="1" smtClean="0"/>
@@ -14093,11 +16861,7 @@
             </a:r>
             <a:r>
               <a:rPr lang="en-US" dirty="0" smtClean="0"/>
-              <a:t> are not directly referenced from </a:t>
-            </a:r>
-            <a:r>
-              <a:rPr lang="en-US" dirty="0" smtClean="0"/>
-              <a:t>JavaScript</a:t>
+              <a:t> are not directly referenced from JavaScript</a:t>
             </a:r>
             <a:r>
               <a:rPr lang="uk-UA" dirty="0" smtClean="0"/>
@@ -14114,17 +16878,6 @@
             <a:endParaRPr lang="uk-UA" dirty="0" smtClean="0"/>
           </a:p>
           <a:p>
-            <a:r>
-              <a:rPr lang="en-US" dirty="0" smtClean="0"/>
-              <a:t>If you don’t use a JavaScript bundler and loaded React from a &lt;script&gt; tag, it is already in scope as the React global</a:t>
-            </a:r>
-            <a:r>
-              <a:rPr lang="en-US" dirty="0" smtClean="0"/>
-              <a:t>.</a:t>
-            </a:r>
-            <a:endParaRPr lang="uk-UA" dirty="0" smtClean="0"/>
-          </a:p>
-          <a:p>
             <a:endParaRPr lang="en-US" dirty="0" smtClean="0"/>
           </a:p>
           <a:p>
@@ -14134,14 +16887,14 @@
       </p:sp>
       <p:pic>
         <p:nvPicPr>
-          <p:cNvPr id="52226" name="Picture 2"/>
+          <p:cNvPr id="1026" name="Picture 2"/>
           <p:cNvPicPr>
             <a:picLocks noChangeAspect="1" noChangeArrowheads="1"/>
           </p:cNvPicPr>
           <p:nvPr/>
         </p:nvPicPr>
         <p:blipFill>
-          <a:blip r:embed="rId2"/>
+          <a:blip r:embed="rId3"/>
           <a:srcRect/>
           <a:stretch>
             <a:fillRect/>
@@ -14149,8 +16902,8 @@
         </p:blipFill>
         <p:spPr bwMode="auto">
           <a:xfrm>
-            <a:off x="711902" y="3522272"/>
-            <a:ext cx="5353050" cy="1333500"/>
+            <a:off x="722802" y="3615102"/>
+            <a:ext cx="4940942" cy="1528398"/>
           </a:xfrm>
           <a:prstGeom prst="rect">
             <a:avLst/>
@@ -14249,14 +17002,14 @@
       </p:sp>
       <p:pic>
         <p:nvPicPr>
-          <p:cNvPr id="53250" name="Picture 2"/>
+          <p:cNvPr id="2050" name="Picture 2"/>
           <p:cNvPicPr>
             <a:picLocks noChangeAspect="1" noChangeArrowheads="1"/>
           </p:cNvPicPr>
           <p:nvPr/>
         </p:nvPicPr>
         <p:blipFill>
-          <a:blip r:embed="rId2"/>
+          <a:blip r:embed="rId3"/>
           <a:srcRect/>
           <a:stretch>
             <a:fillRect/>
@@ -14264,8 +17017,8 @@
         </p:blipFill>
         <p:spPr bwMode="auto">
           <a:xfrm>
-            <a:off x="702871" y="3333688"/>
-            <a:ext cx="5265164" cy="2180421"/>
+            <a:off x="722067" y="3442922"/>
+            <a:ext cx="6394591" cy="2500678"/>
           </a:xfrm>
           <a:prstGeom prst="rect">
             <a:avLst/>
@@ -14411,14 +17164,14 @@
       </p:sp>
       <p:pic>
         <p:nvPicPr>
-          <p:cNvPr id="54274" name="Picture 2"/>
+          <p:cNvPr id="3074" name="Picture 2"/>
           <p:cNvPicPr>
             <a:picLocks noChangeAspect="1" noChangeArrowheads="1"/>
           </p:cNvPicPr>
           <p:nvPr/>
         </p:nvPicPr>
         <p:blipFill>
-          <a:blip r:embed="rId2"/>
+          <a:blip r:embed="rId3"/>
           <a:srcRect/>
           <a:stretch>
             <a:fillRect/>
@@ -14426,8 +17179,8 @@
         </p:blipFill>
         <p:spPr bwMode="auto">
           <a:xfrm>
-            <a:off x="696747" y="3825155"/>
-            <a:ext cx="6889810" cy="2506372"/>
+            <a:off x="643181" y="3791927"/>
+            <a:ext cx="5151927" cy="2338078"/>
           </a:xfrm>
           <a:prstGeom prst="rect">
             <a:avLst/>
@@ -14497,14 +17250,14 @@
       </p:sp>
       <p:pic>
         <p:nvPicPr>
-          <p:cNvPr id="55298" name="Picture 2"/>
+          <p:cNvPr id="4098" name="Picture 2"/>
           <p:cNvPicPr>
             <a:picLocks noChangeAspect="1" noChangeArrowheads="1"/>
           </p:cNvPicPr>
           <p:nvPr/>
         </p:nvPicPr>
         <p:blipFill>
-          <a:blip r:embed="rId2"/>
+          <a:blip r:embed="rId3"/>
           <a:srcRect/>
           <a:stretch>
             <a:fillRect/>
@@ -14512,8 +17265,8 @@
         </p:blipFill>
         <p:spPr bwMode="auto">
           <a:xfrm>
-            <a:off x="789462" y="1416749"/>
-            <a:ext cx="7228900" cy="2739615"/>
+            <a:off x="674809" y="1335698"/>
+            <a:ext cx="5444636" cy="2474835"/>
           </a:xfrm>
           <a:prstGeom prst="rect">
             <a:avLst/>
@@ -14596,11 +17349,7 @@
           <a:p>
             <a:r>
               <a:rPr lang="en-US" dirty="0" smtClean="0"/>
-              <a:t>You cannot use a general expression as the React element type. If you do want to use a general expression to indicate the type of the element, just assign it to a capitalized variable first. This often comes up when you want to render a different component based on a prop</a:t>
-            </a:r>
-            <a:r>
-              <a:rPr lang="en-US" dirty="0" smtClean="0"/>
-              <a:t>:</a:t>
+              <a:t>You cannot use a general expression as the React element type. If you do want to use a general expression to indicate the type of the element, just assign it to a capitalized variable first. This often comes up when you want to render a different component based on a prop:</a:t>
             </a:r>
             <a:endParaRPr lang="uk-UA" dirty="0" smtClean="0"/>
           </a:p>
@@ -14611,14 +17360,14 @@
       </p:sp>
       <p:pic>
         <p:nvPicPr>
-          <p:cNvPr id="56322" name="Picture 2"/>
+          <p:cNvPr id="5122" name="Picture 2"/>
           <p:cNvPicPr>
             <a:picLocks noChangeAspect="1" noChangeArrowheads="1"/>
           </p:cNvPicPr>
           <p:nvPr/>
         </p:nvPicPr>
         <p:blipFill>
-          <a:blip r:embed="rId2"/>
+          <a:blip r:embed="rId3"/>
           <a:srcRect/>
           <a:stretch>
             <a:fillRect/>
@@ -14626,8 +17375,8 @@
         </p:blipFill>
         <p:spPr bwMode="auto">
           <a:xfrm>
-            <a:off x="681470" y="3392879"/>
-            <a:ext cx="5626042" cy="2481448"/>
+            <a:off x="582368" y="3377589"/>
+            <a:ext cx="7499293" cy="2780933"/>
           </a:xfrm>
           <a:prstGeom prst="rect">
             <a:avLst/>
@@ -15112,7 +17861,299 @@
 </a:theme>
 </file>
 
+<file path=ppt/theme/theme3.xml><?xml version="1.0" encoding="utf-8"?>
+<a:theme xmlns:a="http://schemas.openxmlformats.org/drawingml/2006/main" name="Тема Office">
+  <a:themeElements>
+    <a:clrScheme name="Стандартная">
+      <a:dk1>
+        <a:sysClr val="windowText" lastClr="000000"/>
+      </a:dk1>
+      <a:lt1>
+        <a:sysClr val="window" lastClr="FFFFFF"/>
+      </a:lt1>
+      <a:dk2>
+        <a:srgbClr val="1F497D"/>
+      </a:dk2>
+      <a:lt2>
+        <a:srgbClr val="EEECE1"/>
+      </a:lt2>
+      <a:accent1>
+        <a:srgbClr val="4F81BD"/>
+      </a:accent1>
+      <a:accent2>
+        <a:srgbClr val="C0504D"/>
+      </a:accent2>
+      <a:accent3>
+        <a:srgbClr val="9BBB59"/>
+      </a:accent3>
+      <a:accent4>
+        <a:srgbClr val="8064A2"/>
+      </a:accent4>
+      <a:accent5>
+        <a:srgbClr val="4BACC6"/>
+      </a:accent5>
+      <a:accent6>
+        <a:srgbClr val="F79646"/>
+      </a:accent6>
+      <a:hlink>
+        <a:srgbClr val="0000FF"/>
+      </a:hlink>
+      <a:folHlink>
+        <a:srgbClr val="800080"/>
+      </a:folHlink>
+    </a:clrScheme>
+    <a:fontScheme name="Стандартная">
+      <a:majorFont>
+        <a:latin typeface="Calibri"/>
+        <a:ea typeface=""/>
+        <a:cs typeface=""/>
+        <a:font script="Jpan" typeface="ＭＳ Ｐゴシック"/>
+        <a:font script="Hang" typeface="맑은 고딕"/>
+        <a:font script="Hans" typeface="宋体"/>
+        <a:font script="Hant" typeface="新細明體"/>
+        <a:font script="Arab" typeface="Times New Roman"/>
+        <a:font script="Hebr" typeface="Times New Roman"/>
+        <a:font script="Thai" typeface="Angsana New"/>
+        <a:font script="Ethi" typeface="Nyala"/>
+        <a:font script="Beng" typeface="Vrinda"/>
+        <a:font script="Gujr" typeface="Shruti"/>
+        <a:font script="Khmr" typeface="MoolBoran"/>
+        <a:font script="Knda" typeface="Tunga"/>
+        <a:font script="Guru" typeface="Raavi"/>
+        <a:font script="Cans" typeface="Euphemia"/>
+        <a:font script="Cher" typeface="Plantagenet Cherokee"/>
+        <a:font script="Yiii" typeface="Microsoft Yi Baiti"/>
+        <a:font script="Tibt" typeface="Microsoft Himalaya"/>
+        <a:font script="Thaa" typeface="MV Boli"/>
+        <a:font script="Deva" typeface="Mangal"/>
+        <a:font script="Telu" typeface="Gautami"/>
+        <a:font script="Taml" typeface="Latha"/>
+        <a:font script="Syrc" typeface="Estrangelo Edessa"/>
+        <a:font script="Orya" typeface="Kalinga"/>
+        <a:font script="Mlym" typeface="Kartika"/>
+        <a:font script="Laoo" typeface="DokChampa"/>
+        <a:font script="Sinh" typeface="Iskoola Pota"/>
+        <a:font script="Mong" typeface="Mongolian Baiti"/>
+        <a:font script="Viet" typeface="Times New Roman"/>
+        <a:font script="Uigh" typeface="Microsoft Uighur"/>
+      </a:majorFont>
+      <a:minorFont>
+        <a:latin typeface="Calibri"/>
+        <a:ea typeface=""/>
+        <a:cs typeface=""/>
+        <a:font script="Jpan" typeface="ＭＳ Ｐゴシック"/>
+        <a:font script="Hang" typeface="맑은 고딕"/>
+        <a:font script="Hans" typeface="宋体"/>
+        <a:font script="Hant" typeface="新細明體"/>
+        <a:font script="Arab" typeface="Arial"/>
+        <a:font script="Hebr" typeface="Arial"/>
+        <a:font script="Thai" typeface="Cordia New"/>
+        <a:font script="Ethi" typeface="Nyala"/>
+        <a:font script="Beng" typeface="Vrinda"/>
+        <a:font script="Gujr" typeface="Shruti"/>
+        <a:font script="Khmr" typeface="DaunPenh"/>
+        <a:font script="Knda" typeface="Tunga"/>
+        <a:font script="Guru" typeface="Raavi"/>
+        <a:font script="Cans" typeface="Euphemia"/>
+        <a:font script="Cher" typeface="Plantagenet Cherokee"/>
+        <a:font script="Yiii" typeface="Microsoft Yi Baiti"/>
+        <a:font script="Tibt" typeface="Microsoft Himalaya"/>
+        <a:font script="Thaa" typeface="MV Boli"/>
+        <a:font script="Deva" typeface="Mangal"/>
+        <a:font script="Telu" typeface="Gautami"/>
+        <a:font script="Taml" typeface="Latha"/>
+        <a:font script="Syrc" typeface="Estrangelo Edessa"/>
+        <a:font script="Orya" typeface="Kalinga"/>
+        <a:font script="Mlym" typeface="Kartika"/>
+        <a:font script="Laoo" typeface="DokChampa"/>
+        <a:font script="Sinh" typeface="Iskoola Pota"/>
+        <a:font script="Mong" typeface="Mongolian Baiti"/>
+        <a:font script="Viet" typeface="Arial"/>
+        <a:font script="Uigh" typeface="Microsoft Uighur"/>
+      </a:minorFont>
+    </a:fontScheme>
+    <a:fmtScheme name="Стандартная">
+      <a:fillStyleLst>
+        <a:solidFill>
+          <a:schemeClr val="phClr"/>
+        </a:solidFill>
+        <a:gradFill rotWithShape="1">
+          <a:gsLst>
+            <a:gs pos="0">
+              <a:schemeClr val="phClr">
+                <a:tint val="50000"/>
+                <a:satMod val="300000"/>
+              </a:schemeClr>
+            </a:gs>
+            <a:gs pos="35000">
+              <a:schemeClr val="phClr">
+                <a:tint val="37000"/>
+                <a:satMod val="300000"/>
+              </a:schemeClr>
+            </a:gs>
+            <a:gs pos="100000">
+              <a:schemeClr val="phClr">
+                <a:tint val="15000"/>
+                <a:satMod val="350000"/>
+              </a:schemeClr>
+            </a:gs>
+          </a:gsLst>
+          <a:lin ang="16200000" scaled="1"/>
+        </a:gradFill>
+        <a:gradFill rotWithShape="1">
+          <a:gsLst>
+            <a:gs pos="0">
+              <a:schemeClr val="phClr">
+                <a:shade val="51000"/>
+                <a:satMod val="130000"/>
+              </a:schemeClr>
+            </a:gs>
+            <a:gs pos="80000">
+              <a:schemeClr val="phClr">
+                <a:shade val="93000"/>
+                <a:satMod val="130000"/>
+              </a:schemeClr>
+            </a:gs>
+            <a:gs pos="100000">
+              <a:schemeClr val="phClr">
+                <a:shade val="94000"/>
+                <a:satMod val="135000"/>
+              </a:schemeClr>
+            </a:gs>
+          </a:gsLst>
+          <a:lin ang="16200000" scaled="0"/>
+        </a:gradFill>
+      </a:fillStyleLst>
+      <a:lnStyleLst>
+        <a:ln w="9525" cap="flat" cmpd="sng" algn="ctr">
+          <a:solidFill>
+            <a:schemeClr val="phClr">
+              <a:shade val="95000"/>
+              <a:satMod val="105000"/>
+            </a:schemeClr>
+          </a:solidFill>
+          <a:prstDash val="solid"/>
+        </a:ln>
+        <a:ln w="25400" cap="flat" cmpd="sng" algn="ctr">
+          <a:solidFill>
+            <a:schemeClr val="phClr"/>
+          </a:solidFill>
+          <a:prstDash val="solid"/>
+        </a:ln>
+        <a:ln w="38100" cap="flat" cmpd="sng" algn="ctr">
+          <a:solidFill>
+            <a:schemeClr val="phClr"/>
+          </a:solidFill>
+          <a:prstDash val="solid"/>
+        </a:ln>
+      </a:lnStyleLst>
+      <a:effectStyleLst>
+        <a:effectStyle>
+          <a:effectLst>
+            <a:outerShdw blurRad="40000" dist="20000" dir="5400000" rotWithShape="0">
+              <a:srgbClr val="000000">
+                <a:alpha val="38000"/>
+              </a:srgbClr>
+            </a:outerShdw>
+          </a:effectLst>
+        </a:effectStyle>
+        <a:effectStyle>
+          <a:effectLst>
+            <a:outerShdw blurRad="40000" dist="23000" dir="5400000" rotWithShape="0">
+              <a:srgbClr val="000000">
+                <a:alpha val="35000"/>
+              </a:srgbClr>
+            </a:outerShdw>
+          </a:effectLst>
+        </a:effectStyle>
+        <a:effectStyle>
+          <a:effectLst>
+            <a:outerShdw blurRad="40000" dist="23000" dir="5400000" rotWithShape="0">
+              <a:srgbClr val="000000">
+                <a:alpha val="35000"/>
+              </a:srgbClr>
+            </a:outerShdw>
+          </a:effectLst>
+          <a:scene3d>
+            <a:camera prst="orthographicFront">
+              <a:rot lat="0" lon="0" rev="0"/>
+            </a:camera>
+            <a:lightRig rig="threePt" dir="t">
+              <a:rot lat="0" lon="0" rev="1200000"/>
+            </a:lightRig>
+          </a:scene3d>
+          <a:sp3d>
+            <a:bevelT w="63500" h="25400"/>
+          </a:sp3d>
+        </a:effectStyle>
+      </a:effectStyleLst>
+      <a:bgFillStyleLst>
+        <a:solidFill>
+          <a:schemeClr val="phClr"/>
+        </a:solidFill>
+        <a:gradFill rotWithShape="1">
+          <a:gsLst>
+            <a:gs pos="0">
+              <a:schemeClr val="phClr">
+                <a:tint val="40000"/>
+                <a:satMod val="350000"/>
+              </a:schemeClr>
+            </a:gs>
+            <a:gs pos="40000">
+              <a:schemeClr val="phClr">
+                <a:tint val="45000"/>
+                <a:shade val="99000"/>
+                <a:satMod val="350000"/>
+              </a:schemeClr>
+            </a:gs>
+            <a:gs pos="100000">
+              <a:schemeClr val="phClr">
+                <a:shade val="20000"/>
+                <a:satMod val="255000"/>
+              </a:schemeClr>
+            </a:gs>
+          </a:gsLst>
+          <a:path path="circle">
+            <a:fillToRect l="50000" t="-80000" r="50000" b="180000"/>
+          </a:path>
+        </a:gradFill>
+        <a:gradFill rotWithShape="1">
+          <a:gsLst>
+            <a:gs pos="0">
+              <a:schemeClr val="phClr">
+                <a:tint val="80000"/>
+                <a:satMod val="300000"/>
+              </a:schemeClr>
+            </a:gs>
+            <a:gs pos="100000">
+              <a:schemeClr val="phClr">
+                <a:shade val="30000"/>
+                <a:satMod val="200000"/>
+              </a:schemeClr>
+            </a:gs>
+          </a:gsLst>
+          <a:path path="circle">
+            <a:fillToRect l="50000" t="50000" r="50000" b="50000"/>
+          </a:path>
+        </a:gradFill>
+      </a:bgFillStyleLst>
+    </a:fmtScheme>
+  </a:themeElements>
+  <a:objectDefaults/>
+  <a:extraClrSchemeLst/>
+</a:theme>
+</file>
+
 <file path=customXml/item1.xml><?xml version="1.0" encoding="utf-8"?>
+<?mso-contentType ?>
+<FormTemplates xmlns="http://schemas.microsoft.com/sharepoint/v3/contenttype/forms">
+  <Display>DocumentLibraryForm</Display>
+  <Edit>DocumentLibraryForm</Edit>
+  <New>DocumentLibraryForm</New>
+</FormTemplates>
+</file>
+
+<file path=customXml/item2.xml><?xml version="1.0" encoding="utf-8"?>
 <ct:contentTypeSchema xmlns:ct="http://schemas.microsoft.com/office/2006/metadata/contentType" xmlns:ma="http://schemas.microsoft.com/office/2006/metadata/properties/metaAttributes" ct:_="" ma:_="" ma:contentTypeName="Документ" ma:contentTypeID="0x0101004195FC54A15F344D83577B1CDDD67A5D" ma:contentTypeVersion="9" ma:contentTypeDescription="Создание документа." ma:contentTypeScope="" ma:versionID="961ec8db58076c7d3e9f84b9cd82fd45">
   <xsd:schema xmlns:xsd="http://www.w3.org/2001/XMLSchema" xmlns:xs="http://www.w3.org/2001/XMLSchema" xmlns:p="http://schemas.microsoft.com/office/2006/metadata/properties" xmlns:ns2="341e6018-ac0a-4dfb-8409-db9e0d25502e" xmlns:ns3="835f28f2-30f1-4728-84d2-86d96e143488" targetNamespace="http://schemas.microsoft.com/office/2006/metadata/properties" ma:root="true" ma:fieldsID="bd9f0c80ada20ee560e77d723f3ef44e" ns2:_="" ns3:_="">
     <xsd:import namespace="341e6018-ac0a-4dfb-8409-db9e0d25502e"/>
@@ -15311,15 +18352,6 @@
 </ct:contentTypeSchema>
 </file>
 
-<file path=customXml/item2.xml><?xml version="1.0" encoding="utf-8"?>
-<?mso-contentType ?>
-<FormTemplates xmlns="http://schemas.microsoft.com/sharepoint/v3/contenttype/forms">
-  <Display>DocumentLibraryForm</Display>
-  <Edit>DocumentLibraryForm</Edit>
-  <New>DocumentLibraryForm</New>
-</FormTemplates>
-</file>
-
 <file path=customXml/item3.xml><?xml version="1.0" encoding="utf-8"?>
 <p:properties xmlns:p="http://schemas.microsoft.com/office/2006/metadata/properties" xmlns:xsi="http://www.w3.org/2001/XMLSchema-instance" xmlns:pc="http://schemas.microsoft.com/office/infopath/2007/PartnerControls">
   <documentManagement>
@@ -15329,6 +18361,14 @@
 </file>
 
 <file path=customXml/itemProps1.xml><?xml version="1.0" encoding="utf-8"?>
+<ds:datastoreItem xmlns:ds="http://schemas.openxmlformats.org/officeDocument/2006/customXml" ds:itemID="{296B3B9E-03D8-4766-BF45-6129617CF026}">
+  <ds:schemaRefs>
+    <ds:schemaRef ds:uri="http://schemas.microsoft.com/sharepoint/v3/contenttype/forms"/>
+  </ds:schemaRefs>
+</ds:datastoreItem>
+</file>
+
+<file path=customXml/itemProps2.xml><?xml version="1.0" encoding="utf-8"?>
 <ds:datastoreItem xmlns:ds="http://schemas.openxmlformats.org/officeDocument/2006/customXml" ds:itemID="{CAFDAB34-20E1-438F-BCB2-ECDA5496F36D}">
   <ds:schemaRefs>
     <ds:schemaRef ds:uri="http://schemas.microsoft.com/office/2006/metadata/contentType"/>
@@ -15343,14 +18383,6 @@
     <ds:schemaRef ds:uri="http://purl.org/dc/elements/1.1/"/>
     <ds:schemaRef ds:uri="http://purl.org/dc/terms/"/>
     <ds:schemaRef ds:uri="http://schemas.microsoft.com/internal/obd"/>
-  </ds:schemaRefs>
-</ds:datastoreItem>
-</file>
-
-<file path=customXml/itemProps2.xml><?xml version="1.0" encoding="utf-8"?>
-<ds:datastoreItem xmlns:ds="http://schemas.openxmlformats.org/officeDocument/2006/customXml" ds:itemID="{296B3B9E-03D8-4766-BF45-6129617CF026}">
-  <ds:schemaRefs>
-    <ds:schemaRef ds:uri="http://schemas.microsoft.com/sharepoint/v3/contenttype/forms"/>
   </ds:schemaRefs>
 </ds:datastoreItem>
 </file>
